--- a/ANN-CNN Project.pptx
+++ b/ANN-CNN Project.pptx
@@ -4,56 +4,135 @@
   <p:sldMasterIdLst>
     <p:sldMasterId id="2147483648" r:id="rId1"/>
   </p:sldMasterIdLst>
+  <p:notesMasterIdLst>
+    <p:notesMasterId r:id="rId12"/>
+  </p:notesMasterIdLst>
   <p:sldIdLst>
     <p:sldId id="256" r:id="rId2"/>
     <p:sldId id="257" r:id="rId3"/>
     <p:sldId id="258" r:id="rId4"/>
     <p:sldId id="259" r:id="rId5"/>
-    <p:sldId id="260" r:id="rId6"/>
-    <p:sldId id="261" r:id="rId7"/>
-    <p:sldId id="262" r:id="rId8"/>
-    <p:sldId id="263" r:id="rId9"/>
-    <p:sldId id="264" r:id="rId10"/>
+    <p:sldId id="265" r:id="rId6"/>
+    <p:sldId id="260" r:id="rId7"/>
+    <p:sldId id="261" r:id="rId8"/>
+    <p:sldId id="262" r:id="rId9"/>
+    <p:sldId id="263" r:id="rId10"/>
+    <p:sldId id="264" r:id="rId11"/>
   </p:sldIdLst>
-  <p:notesMasterIdLst>
-    <p:notesMasterId r:id="rId11"/>
-  </p:notesMasterIdLst>
   <p:sldSz cx="14630400" cy="8229600"/>
   <p:notesSz cx="8229600" cy="14630400"/>
   <p:embeddedFontLst>
     <p:embeddedFont>
-      <p:font typeface="Poppins Light"/>
-      <p:regular r:id="rId16"/>
+      <p:font typeface="Poppins Light" panose="020B0604020202020204" pitchFamily="34" charset="0"/>
+      <p:regular r:id="rId13"/>
+      <p:italic r:id="rId14"/>
     </p:embeddedFont>
     <p:embeddedFont>
-      <p:font typeface="Poppins Light"/>
-      <p:regular r:id="rId17"/>
-    </p:embeddedFont>
-    <p:embeddedFont>
-      <p:font typeface="Poppins Light"/>
-      <p:regular r:id="rId18"/>
-    </p:embeddedFont>
-    <p:embeddedFont>
-      <p:font typeface="Poppins Light"/>
-      <p:regular r:id="rId19"/>
-    </p:embeddedFont>
-    <p:embeddedFont>
-      <p:font typeface="Roboto Light"/>
-      <p:regular r:id="rId20"/>
-    </p:embeddedFont>
-    <p:embeddedFont>
-      <p:font typeface="Roboto Light"/>
-      <p:regular r:id="rId21"/>
-    </p:embeddedFont>
-    <p:embeddedFont>
-      <p:font typeface="Roboto Light"/>
-      <p:regular r:id="rId22"/>
-    </p:embeddedFont>
-    <p:embeddedFont>
-      <p:font typeface="Roboto Light"/>
-      <p:regular r:id="rId23"/>
+      <p:font typeface="Roboto Light" panose="020F0302020204030204" pitchFamily="34" charset="0"/>
+      <p:regular r:id="rId15"/>
+      <p:italic r:id="rId16"/>
     </p:embeddedFont>
   </p:embeddedFontLst>
+  <p:defaultTextStyle>
+    <a:defPPr>
+      <a:defRPr lang="en-US"/>
+    </a:defPPr>
+    <a:lvl1pPr marL="0" algn="l" defTabSz="914400" rtl="0" eaLnBrk="1" latinLnBrk="0" hangingPunct="1">
+      <a:defRPr sz="1800" kern="1200">
+        <a:solidFill>
+          <a:schemeClr val="tx1"/>
+        </a:solidFill>
+        <a:latin typeface="+mn-lt"/>
+        <a:ea typeface="+mn-ea"/>
+        <a:cs typeface="+mn-cs"/>
+      </a:defRPr>
+    </a:lvl1pPr>
+    <a:lvl2pPr marL="457200" algn="l" defTabSz="914400" rtl="0" eaLnBrk="1" latinLnBrk="0" hangingPunct="1">
+      <a:defRPr sz="1800" kern="1200">
+        <a:solidFill>
+          <a:schemeClr val="tx1"/>
+        </a:solidFill>
+        <a:latin typeface="+mn-lt"/>
+        <a:ea typeface="+mn-ea"/>
+        <a:cs typeface="+mn-cs"/>
+      </a:defRPr>
+    </a:lvl2pPr>
+    <a:lvl3pPr marL="914400" algn="l" defTabSz="914400" rtl="0" eaLnBrk="1" latinLnBrk="0" hangingPunct="1">
+      <a:defRPr sz="1800" kern="1200">
+        <a:solidFill>
+          <a:schemeClr val="tx1"/>
+        </a:solidFill>
+        <a:latin typeface="+mn-lt"/>
+        <a:ea typeface="+mn-ea"/>
+        <a:cs typeface="+mn-cs"/>
+      </a:defRPr>
+    </a:lvl3pPr>
+    <a:lvl4pPr marL="1371600" algn="l" defTabSz="914400" rtl="0" eaLnBrk="1" latinLnBrk="0" hangingPunct="1">
+      <a:defRPr sz="1800" kern="1200">
+        <a:solidFill>
+          <a:schemeClr val="tx1"/>
+        </a:solidFill>
+        <a:latin typeface="+mn-lt"/>
+        <a:ea typeface="+mn-ea"/>
+        <a:cs typeface="+mn-cs"/>
+      </a:defRPr>
+    </a:lvl4pPr>
+    <a:lvl5pPr marL="1828800" algn="l" defTabSz="914400" rtl="0" eaLnBrk="1" latinLnBrk="0" hangingPunct="1">
+      <a:defRPr sz="1800" kern="1200">
+        <a:solidFill>
+          <a:schemeClr val="tx1"/>
+        </a:solidFill>
+        <a:latin typeface="+mn-lt"/>
+        <a:ea typeface="+mn-ea"/>
+        <a:cs typeface="+mn-cs"/>
+      </a:defRPr>
+    </a:lvl5pPr>
+    <a:lvl6pPr marL="2286000" algn="l" defTabSz="914400" rtl="0" eaLnBrk="1" latinLnBrk="0" hangingPunct="1">
+      <a:defRPr sz="1800" kern="1200">
+        <a:solidFill>
+          <a:schemeClr val="tx1"/>
+        </a:solidFill>
+        <a:latin typeface="+mn-lt"/>
+        <a:ea typeface="+mn-ea"/>
+        <a:cs typeface="+mn-cs"/>
+      </a:defRPr>
+    </a:lvl6pPr>
+    <a:lvl7pPr marL="2743200" algn="l" defTabSz="914400" rtl="0" eaLnBrk="1" latinLnBrk="0" hangingPunct="1">
+      <a:defRPr sz="1800" kern="1200">
+        <a:solidFill>
+          <a:schemeClr val="tx1"/>
+        </a:solidFill>
+        <a:latin typeface="+mn-lt"/>
+        <a:ea typeface="+mn-ea"/>
+        <a:cs typeface="+mn-cs"/>
+      </a:defRPr>
+    </a:lvl7pPr>
+    <a:lvl8pPr marL="3200400" algn="l" defTabSz="914400" rtl="0" eaLnBrk="1" latinLnBrk="0" hangingPunct="1">
+      <a:defRPr sz="1800" kern="1200">
+        <a:solidFill>
+          <a:schemeClr val="tx1"/>
+        </a:solidFill>
+        <a:latin typeface="+mn-lt"/>
+        <a:ea typeface="+mn-ea"/>
+        <a:cs typeface="+mn-cs"/>
+      </a:defRPr>
+    </a:lvl8pPr>
+    <a:lvl9pPr marL="3657600" algn="l" defTabSz="914400" rtl="0" eaLnBrk="1" latinLnBrk="0" hangingPunct="1">
+      <a:defRPr sz="1800" kern="1200">
+        <a:solidFill>
+          <a:schemeClr val="tx1"/>
+        </a:solidFill>
+        <a:latin typeface="+mn-lt"/>
+        <a:ea typeface="+mn-ea"/>
+        <a:cs typeface="+mn-cs"/>
+      </a:defRPr>
+    </a:lvl9pPr>
+  </p:defaultTextStyle>
+  <p:extLst>
+    <p:ext uri="{EFAFB233-063F-42B5-8137-9DF3F51BA10A}">
+      <p15:sldGuideLst xmlns:p15="http://schemas.microsoft.com/office/powerpoint/2012/main"/>
+    </p:ext>
+  </p:extLst>
 </p:presentation>
 </file>
 
@@ -79,234 +158,10 @@
           <a:chExt cx="0" cy="0"/>
         </a:xfrm>
       </p:grpSpPr>
-      <p:sp>
-        <p:nvSpPr>
-          <p:cNvPr id="2" name="Header Placeholder 1"/>
-          <p:cNvSpPr>
-            <a:spLocks noGrp="1"/>
-          </p:cNvSpPr>
-          <p:nvPr>
-            <p:ph type="hdr" sz="quarter"/>
-          </p:nvPr>
-        </p:nvSpPr>
-        <p:spPr>
-          <a:xfrm>
-            <a:off x="0" y="0"/>
-            <a:ext cx="2971800" cy="458788"/>
-          </a:xfrm>
-          <a:prstGeom prst="rect">
-            <a:avLst/>
-          </a:prstGeom>
-        </p:spPr>
-        <p:txBody>
-          <a:bodyPr vert="horz" lIns="91440" tIns="45720" rIns="91440" bIns="45720" rtlCol="0"/>
-          <a:lstStyle>
-            <a:lvl1pPr algn="l">
-              <a:defRPr sz="1200"/>
-            </a:lvl1pPr>
-          </a:lstStyle>
-          <a:p>
-            <a:endParaRPr lang="en-US"/>
-          </a:p>
-        </p:txBody>
-      </p:sp>
-      <p:sp>
-        <p:nvSpPr>
-          <p:cNvPr id="3" name="Date Placeholder 2"/>
-          <p:cNvSpPr>
-            <a:spLocks noGrp="1"/>
-          </p:cNvSpPr>
-          <p:nvPr>
-            <p:ph type="dt" idx="1"/>
-          </p:nvPr>
-        </p:nvSpPr>
-        <p:spPr>
-          <a:xfrm>
-            <a:off x="3884613" y="0"/>
-            <a:ext cx="2971800" cy="458788"/>
-          </a:xfrm>
-          <a:prstGeom prst="rect">
-            <a:avLst/>
-          </a:prstGeom>
-        </p:spPr>
-        <p:txBody>
-          <a:bodyPr vert="horz" lIns="91440" tIns="45720" rIns="91440" bIns="45720" rtlCol="0"/>
-          <a:lstStyle>
-            <a:lvl1pPr algn="r">
-              <a:defRPr sz="1200"/>
-            </a:lvl1pPr>
-          </a:lstStyle>
-          <a:p>
-            <a:fld id="{5282F153-3F37-0F45-9E97-73ACFA13230C}" type="datetimeFigureOut">
-              <a:rPr lang="en-US"/>
-              <a:t>7/23/19</a:t>
-            </a:fld>
-            <a:endParaRPr lang="en-US"/>
-          </a:p>
-        </p:txBody>
-      </p:sp>
-      <p:sp>
-        <p:nvSpPr>
-          <p:cNvPr id="4" name="Slide Image Placeholder 3"/>
-          <p:cNvSpPr>
-            <a:spLocks noGrp="1" noRot="1" noChangeAspect="1"/>
-          </p:cNvSpPr>
-          <p:nvPr>
-            <p:ph type="sldImg" idx="2"/>
-          </p:nvPr>
-        </p:nvSpPr>
-        <p:spPr>
-          <a:xfrm>
-            <a:off x="685800" y="1143000"/>
-            <a:ext cx="5486400" cy="3086100"/>
-          </a:xfrm>
-          <a:prstGeom prst="rect">
-            <a:avLst/>
-          </a:prstGeom>
-          <a:noFill/>
-          <a:ln w="12700">
-            <a:solidFill>
-              <a:prstClr val="black"/>
-            </a:solidFill>
-          </a:ln>
-        </p:spPr>
-        <p:txBody>
-          <a:bodyPr vert="horz" lIns="91440" tIns="45720" rIns="91440" bIns="45720" rtlCol="0" anchor="ctr"/>
-          <a:lstStyle/>
-          <a:p>
-            <a:endParaRPr lang="en-US"/>
-          </a:p>
-        </p:txBody>
-      </p:sp>
-      <p:sp>
-        <p:nvSpPr>
-          <p:cNvPr id="5" name="Notes Placeholder 4"/>
-          <p:cNvSpPr>
-            <a:spLocks noGrp="1"/>
-          </p:cNvSpPr>
-          <p:nvPr>
-            <p:ph type="body" sz="quarter" idx="3"/>
-          </p:nvPr>
-        </p:nvSpPr>
-        <p:spPr>
-          <a:xfrm>
-            <a:off x="685800" y="4400550"/>
-            <a:ext cx="5486400" cy="3600450"/>
-          </a:xfrm>
-          <a:prstGeom prst="rect">
-            <a:avLst/>
-          </a:prstGeom>
-        </p:spPr>
-        <p:txBody>
-          <a:bodyPr vert="horz" lIns="91440" tIns="45720" rIns="91440" bIns="45720" rtlCol="0"/>
-          <a:lstStyle/>
-          <a:p>
-            <a:pPr lvl="0"/>
-            <a:r>
-              <a:rPr lang="en-US"/>
-              <a:t>Click to edit Master text styles</a:t>
-            </a:r>
-          </a:p>
-          <a:p>
-            <a:pPr lvl="1"/>
-            <a:r>
-              <a:rPr lang="en-US"/>
-              <a:t>Second level</a:t>
-            </a:r>
-          </a:p>
-          <a:p>
-            <a:pPr lvl="2"/>
-            <a:r>
-              <a:rPr lang="en-US"/>
-              <a:t>Third level</a:t>
-            </a:r>
-          </a:p>
-          <a:p>
-            <a:pPr lvl="3"/>
-            <a:r>
-              <a:rPr lang="en-US"/>
-              <a:t>Fourth level</a:t>
-            </a:r>
-          </a:p>
-          <a:p>
-            <a:pPr lvl="4"/>
-            <a:r>
-              <a:rPr lang="en-US"/>
-              <a:t>Fifth level</a:t>
-            </a:r>
-          </a:p>
-        </p:txBody>
-      </p:sp>
-      <p:sp>
-        <p:nvSpPr>
-          <p:cNvPr id="6" name="Footer Placeholder 5"/>
-          <p:cNvSpPr>
-            <a:spLocks noGrp="1"/>
-          </p:cNvSpPr>
-          <p:nvPr>
-            <p:ph type="ftr" sz="quarter" idx="4"/>
-          </p:nvPr>
-        </p:nvSpPr>
-        <p:spPr>
-          <a:xfrm>
-            <a:off x="0" y="8685213"/>
-            <a:ext cx="2971800" cy="458787"/>
-          </a:xfrm>
-          <a:prstGeom prst="rect">
-            <a:avLst/>
-          </a:prstGeom>
-        </p:spPr>
-        <p:txBody>
-          <a:bodyPr vert="horz" lIns="91440" tIns="45720" rIns="91440" bIns="45720" rtlCol="0" anchor="b"/>
-          <a:lstStyle>
-            <a:lvl1pPr algn="l">
-              <a:defRPr sz="1200"/>
-            </a:lvl1pPr>
-          </a:lstStyle>
-          <a:p>
-            <a:endParaRPr lang="en-US"/>
-          </a:p>
-        </p:txBody>
-      </p:sp>
-      <p:sp>
-        <p:nvSpPr>
-          <p:cNvPr id="7" name="Slide Number Placeholder 6"/>
-          <p:cNvSpPr>
-            <a:spLocks noGrp="1"/>
-          </p:cNvSpPr>
-          <p:nvPr>
-            <p:ph type="sldNum" sz="quarter" idx="5"/>
-          </p:nvPr>
-        </p:nvSpPr>
-        <p:spPr>
-          <a:xfrm>
-            <a:off x="3884613" y="8685213"/>
-            <a:ext cx="2971800" cy="458787"/>
-          </a:xfrm>
-          <a:prstGeom prst="rect">
-            <a:avLst/>
-          </a:prstGeom>
-        </p:spPr>
-        <p:txBody>
-          <a:bodyPr vert="horz" lIns="91440" tIns="45720" rIns="91440" bIns="45720" rtlCol="0" anchor="b"/>
-          <a:lstStyle>
-            <a:lvl1pPr algn="r">
-              <a:defRPr sz="1200"/>
-            </a:lvl1pPr>
-          </a:lstStyle>
-          <a:p>
-            <a:fld id="{CE5E9CC1-C706-0F49-92D6-E571CC5EEA8F}" type="slidenum">
-              <a:rPr lang="en-US"/>
-              <a:t>‹#›</a:t>
-            </a:fld>
-            <a:endParaRPr lang="en-US"/>
-          </a:p>
-        </p:txBody>
-      </p:sp>
     </p:spTree>
     <p:extLst>
       <p:ext uri="{BB962C8B-B14F-4D97-AF65-F5344CB8AC3E}">
-        <p14:creationId xmlns:p14="http://schemas.microsoft.com/office/powerpoint/2010/main" val="1024086991"/>
+        <p14:creationId xmlns:p14="http://schemas.microsoft.com/office/powerpoint/2010/main" val="637105480"/>
       </p:ext>
     </p:extLst>
   </p:cSld>
@@ -450,10 +305,6 @@
           <a:bodyPr/>
           <a:lstStyle/>
           <a:p>
-            <a:r>
-              <a:rPr lang="en-US" dirty="0"/>
-              <a:t/>
-            </a:r>
             <a:endParaRPr lang="en-US" dirty="0"/>
           </a:p>
         </p:txBody>
@@ -476,6 +327,90 @@
             <a:fld id="{F7021451-1387-4CA6-816F-3879F97B5CBC}" type="slidenum">
               <a:rPr lang="en-US"/>
               <a:t>1</a:t>
+            </a:fld>
+            <a:endParaRPr lang="en-US"/>
+          </a:p>
+        </p:txBody>
+      </p:sp>
+    </p:spTree>
+    <p:extLst>
+      <p:ext uri="{BB962C8B-B14F-4D97-AF65-F5344CB8AC3E}">
+        <p14:creationId xmlns:p14="http://schemas.microsoft.com/office/powerpoint/2010/main" val="1024086991"/>
+      </p:ext>
+    </p:extLst>
+  </p:cSld>
+  <p:clrMapOvr>
+    <a:masterClrMapping/>
+  </p:clrMapOvr>
+</p:notes>
+</file>
+
+<file path=ppt/notesSlides/notesSlide10.xml><?xml version="1.0" encoding="utf-8"?>
+<p:notes xmlns:a="http://schemas.openxmlformats.org/drawingml/2006/main" xmlns:r="http://schemas.openxmlformats.org/officeDocument/2006/relationships" xmlns:p="http://schemas.openxmlformats.org/presentationml/2006/main">
+  <p:cSld>
+    <p:spTree>
+      <p:nvGrpSpPr>
+        <p:cNvPr id="1" name=""/>
+        <p:cNvGrpSpPr/>
+        <p:nvPr/>
+      </p:nvGrpSpPr>
+      <p:grpSpPr>
+        <a:xfrm>
+          <a:off x="0" y="0"/>
+          <a:ext cx="0" cy="0"/>
+          <a:chOff x="0" y="0"/>
+          <a:chExt cx="0" cy="0"/>
+        </a:xfrm>
+      </p:grpSpPr>
+      <p:sp>
+        <p:nvSpPr>
+          <p:cNvPr id="2" name="Slide Image Placeholder 1"/>
+          <p:cNvSpPr>
+            <a:spLocks noGrp="1" noRot="1" noChangeAspect="1"/>
+          </p:cNvSpPr>
+          <p:nvPr>
+            <p:ph type="sldImg"/>
+          </p:nvPr>
+        </p:nvSpPr>
+        <p:spPr/>
+      </p:sp>
+      <p:sp>
+        <p:nvSpPr>
+          <p:cNvPr id="3" name="Notes Placeholder 2"/>
+          <p:cNvSpPr>
+            <a:spLocks noGrp="1"/>
+          </p:cNvSpPr>
+          <p:nvPr>
+            <p:ph type="body" idx="1"/>
+          </p:nvPr>
+        </p:nvSpPr>
+        <p:spPr/>
+        <p:txBody>
+          <a:bodyPr/>
+          <a:lstStyle/>
+          <a:p>
+            <a:endParaRPr lang="en-US" dirty="0"/>
+          </a:p>
+        </p:txBody>
+      </p:sp>
+      <p:sp>
+        <p:nvSpPr>
+          <p:cNvPr id="4" name="Slide Number Placeholder 3"/>
+          <p:cNvSpPr>
+            <a:spLocks noGrp="1"/>
+          </p:cNvSpPr>
+          <p:nvPr>
+            <p:ph type="sldNum" sz="quarter" idx="10"/>
+          </p:nvPr>
+        </p:nvSpPr>
+        <p:spPr/>
+        <p:txBody>
+          <a:bodyPr/>
+          <a:lstStyle/>
+          <a:p>
+            <a:fld id="{F7021451-1387-4CA6-816F-3879F97B5CBC}" type="slidenum">
+              <a:rPr lang="en-US"/>
+              <a:t>10</a:t>
             </a:fld>
             <a:endParaRPr lang="en-US"/>
           </a:p>
@@ -538,10 +473,6 @@
           <a:bodyPr/>
           <a:lstStyle/>
           <a:p>
-            <a:r>
-              <a:rPr lang="en-US" dirty="0"/>
-              <a:t/>
-            </a:r>
             <a:endParaRPr lang="en-US" dirty="0"/>
           </a:p>
         </p:txBody>
@@ -626,10 +557,6 @@
           <a:bodyPr/>
           <a:lstStyle/>
           <a:p>
-            <a:r>
-              <a:rPr lang="en-US" dirty="0"/>
-              <a:t/>
-            </a:r>
             <a:endParaRPr lang="en-US" dirty="0"/>
           </a:p>
         </p:txBody>
@@ -714,10 +641,6 @@
           <a:bodyPr/>
           <a:lstStyle/>
           <a:p>
-            <a:r>
-              <a:rPr lang="en-US" dirty="0"/>
-              <a:t/>
-            </a:r>
             <a:endParaRPr lang="en-US" dirty="0"/>
           </a:p>
         </p:txBody>
@@ -763,7 +686,13 @@
   <p:cSld>
     <p:spTree>
       <p:nvGrpSpPr>
-        <p:cNvPr id="1" name=""/>
+        <p:cNvPr id="1" name="">
+          <a:extLst>
+            <a:ext uri="{FF2B5EF4-FFF2-40B4-BE49-F238E27FC236}">
+              <a16:creationId xmlns:a16="http://schemas.microsoft.com/office/drawing/2014/main" id="{68375448-098C-E1C3-1C80-E5ADD7DD6ABD}"/>
+            </a:ext>
+          </a:extLst>
+        </p:cNvPr>
         <p:cNvGrpSpPr/>
         <p:nvPr/>
       </p:nvGrpSpPr>
@@ -777,7 +706,13 @@
       </p:grpSpPr>
       <p:sp>
         <p:nvSpPr>
-          <p:cNvPr id="2" name="Slide Image Placeholder 1"/>
+          <p:cNvPr id="2" name="Slide Image Placeholder 1">
+            <a:extLst>
+              <a:ext uri="{FF2B5EF4-FFF2-40B4-BE49-F238E27FC236}">
+                <a16:creationId xmlns:a16="http://schemas.microsoft.com/office/drawing/2014/main" id="{E973F247-8415-B500-3BB2-58F59B536B5B}"/>
+              </a:ext>
+            </a:extLst>
+          </p:cNvPr>
           <p:cNvSpPr>
             <a:spLocks noGrp="1" noRot="1" noChangeAspect="1"/>
           </p:cNvSpPr>
@@ -789,7 +724,13 @@
       </p:sp>
       <p:sp>
         <p:nvSpPr>
-          <p:cNvPr id="3" name="Notes Placeholder 2"/>
+          <p:cNvPr id="3" name="Notes Placeholder 2">
+            <a:extLst>
+              <a:ext uri="{FF2B5EF4-FFF2-40B4-BE49-F238E27FC236}">
+                <a16:creationId xmlns:a16="http://schemas.microsoft.com/office/drawing/2014/main" id="{EBE9725F-DE82-2857-2493-A9F24A842A74}"/>
+              </a:ext>
+            </a:extLst>
+          </p:cNvPr>
           <p:cNvSpPr>
             <a:spLocks noGrp="1"/>
           </p:cNvSpPr>
@@ -802,17 +743,19 @@
           <a:bodyPr/>
           <a:lstStyle/>
           <a:p>
-            <a:r>
-              <a:rPr lang="en-US" dirty="0"/>
-              <a:t/>
-            </a:r>
             <a:endParaRPr lang="en-US" dirty="0"/>
           </a:p>
         </p:txBody>
       </p:sp>
       <p:sp>
         <p:nvSpPr>
-          <p:cNvPr id="4" name="Slide Number Placeholder 3"/>
+          <p:cNvPr id="4" name="Slide Number Placeholder 3">
+            <a:extLst>
+              <a:ext uri="{FF2B5EF4-FFF2-40B4-BE49-F238E27FC236}">
+                <a16:creationId xmlns:a16="http://schemas.microsoft.com/office/drawing/2014/main" id="{3C43EC2F-BA51-A485-0BBE-905C87B12A49}"/>
+              </a:ext>
+            </a:extLst>
+          </p:cNvPr>
           <p:cNvSpPr>
             <a:spLocks noGrp="1"/>
           </p:cNvSpPr>
@@ -836,7 +779,7 @@
     </p:spTree>
     <p:extLst>
       <p:ext uri="{BB962C8B-B14F-4D97-AF65-F5344CB8AC3E}">
-        <p14:creationId xmlns:p14="http://schemas.microsoft.com/office/powerpoint/2010/main" val="1024086991"/>
+        <p14:creationId xmlns:p14="http://schemas.microsoft.com/office/powerpoint/2010/main" val="630952016"/>
       </p:ext>
     </p:extLst>
   </p:cSld>
@@ -890,10 +833,6 @@
           <a:bodyPr/>
           <a:lstStyle/>
           <a:p>
-            <a:r>
-              <a:rPr lang="en-US" dirty="0"/>
-              <a:t/>
-            </a:r>
             <a:endParaRPr lang="en-US" dirty="0"/>
           </a:p>
         </p:txBody>
@@ -978,10 +917,6 @@
           <a:bodyPr/>
           <a:lstStyle/>
           <a:p>
-            <a:r>
-              <a:rPr lang="en-US" dirty="0"/>
-              <a:t/>
-            </a:r>
             <a:endParaRPr lang="en-US" dirty="0"/>
           </a:p>
         </p:txBody>
@@ -1066,10 +1001,6 @@
           <a:bodyPr/>
           <a:lstStyle/>
           <a:p>
-            <a:r>
-              <a:rPr lang="en-US" dirty="0"/>
-              <a:t/>
-            </a:r>
             <a:endParaRPr lang="en-US" dirty="0"/>
           </a:p>
         </p:txBody>
@@ -1154,10 +1085,6 @@
           <a:bodyPr/>
           <a:lstStyle/>
           <a:p>
-            <a:r>
-              <a:rPr lang="en-US" dirty="0"/>
-              <a:t/>
-            </a:r>
             <a:endParaRPr lang="en-US" dirty="0"/>
           </a:p>
         </p:txBody>
@@ -1288,7 +1215,7 @@
       <p:pic>
         <p:nvPicPr>
           <p:cNvPr id="4" name="Image 0" descr="preencoded.png">
-            <a:hlinkClick r:id="rId2" tooltip=""/>
+            <a:hlinkClick r:id="rId2"/>
           </p:cNvPr>
           <p:cNvPicPr>
             <a:picLocks noChangeAspect="1"/>
@@ -1296,7 +1223,7 @@
           <p:nvPr/>
         </p:nvPicPr>
         <p:blipFill>
-          <a:blip r:embed="rId1"/>
+          <a:blip r:embed="rId3"/>
           <a:stretch>
             <a:fillRect/>
           </a:stretch>
@@ -1379,7 +1306,7 @@
       <p:pic>
         <p:nvPicPr>
           <p:cNvPr id="4" name="Image 0" descr="preencoded.png">
-            <a:hlinkClick r:id="rId2" tooltip=""/>
+            <a:hlinkClick r:id="rId2"/>
           </p:cNvPr>
           <p:cNvPicPr>
             <a:picLocks noChangeAspect="1"/>
@@ -1387,7 +1314,7 @@
           <p:nvPr/>
         </p:nvPicPr>
         <p:blipFill>
-          <a:blip r:embed="rId1"/>
+          <a:blip r:embed="rId3"/>
           <a:stretch>
             <a:fillRect/>
           </a:stretch>
@@ -1470,7 +1397,7 @@
       <p:pic>
         <p:nvPicPr>
           <p:cNvPr id="4" name="Image 0" descr="preencoded.png">
-            <a:hlinkClick r:id="rId2" tooltip=""/>
+            <a:hlinkClick r:id="rId2"/>
           </p:cNvPr>
           <p:cNvPicPr>
             <a:picLocks noChangeAspect="1"/>
@@ -1478,7 +1405,7 @@
           <p:nvPr/>
         </p:nvPicPr>
         <p:blipFill>
-          <a:blip r:embed="rId1"/>
+          <a:blip r:embed="rId3"/>
           <a:stretch>
             <a:fillRect/>
           </a:stretch>
@@ -1561,7 +1488,7 @@
       <p:pic>
         <p:nvPicPr>
           <p:cNvPr id="4" name="Image 0" descr="preencoded.png">
-            <a:hlinkClick r:id="rId2" tooltip=""/>
+            <a:hlinkClick r:id="rId2"/>
           </p:cNvPr>
           <p:cNvPicPr>
             <a:picLocks noChangeAspect="1"/>
@@ -1569,7 +1496,7 @@
           <p:nvPr/>
         </p:nvPicPr>
         <p:blipFill>
-          <a:blip r:embed="rId1"/>
+          <a:blip r:embed="rId3"/>
           <a:stretch>
             <a:fillRect/>
           </a:stretch>
@@ -1652,7 +1579,7 @@
       <p:pic>
         <p:nvPicPr>
           <p:cNvPr id="4" name="Image 0" descr="preencoded.png">
-            <a:hlinkClick r:id="rId2" tooltip=""/>
+            <a:hlinkClick r:id="rId2"/>
           </p:cNvPr>
           <p:cNvPicPr>
             <a:picLocks noChangeAspect="1"/>
@@ -1660,7 +1587,7 @@
           <p:nvPr/>
         </p:nvPicPr>
         <p:blipFill>
-          <a:blip r:embed="rId1"/>
+          <a:blip r:embed="rId3"/>
           <a:stretch>
             <a:fillRect/>
           </a:stretch>
@@ -1743,7 +1670,7 @@
       <p:pic>
         <p:nvPicPr>
           <p:cNvPr id="4" name="Image 0" descr="preencoded.png">
-            <a:hlinkClick r:id="rId2" tooltip=""/>
+            <a:hlinkClick r:id="rId2"/>
           </p:cNvPr>
           <p:cNvPicPr>
             <a:picLocks noChangeAspect="1"/>
@@ -1751,7 +1678,7 @@
           <p:nvPr/>
         </p:nvPicPr>
         <p:blipFill>
-          <a:blip r:embed="rId1"/>
+          <a:blip r:embed="rId3"/>
           <a:stretch>
             <a:fillRect/>
           </a:stretch>
@@ -1834,7 +1761,7 @@
       <p:pic>
         <p:nvPicPr>
           <p:cNvPr id="4" name="Image 0" descr="preencoded.png">
-            <a:hlinkClick r:id="rId2" tooltip=""/>
+            <a:hlinkClick r:id="rId2"/>
           </p:cNvPr>
           <p:cNvPicPr>
             <a:picLocks noChangeAspect="1"/>
@@ -1842,7 +1769,7 @@
           <p:nvPr/>
         </p:nvPicPr>
         <p:blipFill>
-          <a:blip r:embed="rId1"/>
+          <a:blip r:embed="rId3"/>
           <a:stretch>
             <a:fillRect/>
           </a:stretch>
@@ -1925,7 +1852,7 @@
       <p:pic>
         <p:nvPicPr>
           <p:cNvPr id="4" name="Image 0" descr="preencoded.png">
-            <a:hlinkClick r:id="rId2" tooltip=""/>
+            <a:hlinkClick r:id="rId2"/>
           </p:cNvPr>
           <p:cNvPicPr>
             <a:picLocks noChangeAspect="1"/>
@@ -1933,7 +1860,7 @@
           <p:nvPr/>
         </p:nvPicPr>
         <p:blipFill>
-          <a:blip r:embed="rId1"/>
+          <a:blip r:embed="rId3"/>
           <a:stretch>
             <a:fillRect/>
           </a:stretch>
@@ -2016,7 +1943,7 @@
       <p:pic>
         <p:nvPicPr>
           <p:cNvPr id="4" name="Image 0" descr="preencoded.png">
-            <a:hlinkClick r:id="rId2" tooltip=""/>
+            <a:hlinkClick r:id="rId2"/>
           </p:cNvPr>
           <p:cNvPicPr>
             <a:picLocks noChangeAspect="1"/>
@@ -2024,7 +1951,7 @@
           <p:nvPr/>
         </p:nvPicPr>
         <p:blipFill>
-          <a:blip r:embed="rId1"/>
+          <a:blip r:embed="rId3"/>
           <a:stretch>
             <a:fillRect/>
           </a:stretch>
@@ -2050,6 +1977,11 @@
 <file path=ppt/slideMasters/slideMaster1.xml><?xml version="1.0" encoding="utf-8"?>
 <p:sldMaster xmlns:a="http://schemas.openxmlformats.org/drawingml/2006/main" xmlns:r="http://schemas.openxmlformats.org/officeDocument/2006/relationships" xmlns:p="http://schemas.openxmlformats.org/presentationml/2006/main">
   <p:cSld>
+    <p:bg>
+      <p:bgRef idx="1001">
+        <a:schemeClr val="bg1"/>
+      </p:bgRef>
+    </p:bg>
     <p:spTree>
       <p:nvGrpSpPr>
         <p:cNvPr id="1" name=""/>
@@ -2352,14 +2284,14 @@
       </p:grpSpPr>
       <p:pic>
         <p:nvPicPr>
-          <p:cNvPr id="2" name="Image 0" descr="preencoded.png">    </p:cNvPr>
+          <p:cNvPr id="2" name="Image 0" descr="preencoded.png"/>
           <p:cNvPicPr>
             <a:picLocks noChangeAspect="1"/>
           </p:cNvPicPr>
           <p:nvPr/>
         </p:nvPicPr>
         <p:blipFill>
-          <a:blip r:embed="rId1"/>
+          <a:blip r:embed="rId3"/>
           <a:stretch>
             <a:fillRect/>
           </a:stretch>
@@ -2395,7 +2327,7 @@
           <a:bodyPr wrap="square" lIns="0" tIns="0" rIns="0" bIns="0" rtlCol="0" anchor="t"/>
           <a:lstStyle/>
           <a:p>
-            <a:pPr indent="0" marL="0">
+            <a:pPr marL="0" indent="0">
               <a:lnSpc>
                 <a:spcPts val="5550"/>
               </a:lnSpc>
@@ -2437,7 +2369,7 @@
           <a:bodyPr wrap="square" lIns="0" tIns="0" rIns="0" bIns="0" rtlCol="0" anchor="t"/>
           <a:lstStyle/>
           <a:p>
-            <a:pPr indent="0" marL="0">
+            <a:pPr marL="0" indent="0">
               <a:lnSpc>
                 <a:spcPts val="2850"/>
               </a:lnSpc>
@@ -2460,63 +2392,14 @@
       </p:sp>
       <p:sp>
         <p:nvSpPr>
-          <p:cNvPr id="5" name="Shape 2"/>
-          <p:cNvSpPr/>
-          <p:nvPr/>
-        </p:nvSpPr>
-        <p:spPr>
-          <a:xfrm>
-            <a:off x="6280190" y="6019919"/>
-            <a:ext cx="362903" cy="362903"/>
-          </a:xfrm>
-          <a:prstGeom prst="roundRect">
-            <a:avLst>
-              <a:gd name="adj" fmla="val 25194296"/>
-            </a:avLst>
-          </a:prstGeom>
-          <a:noFill/>
-          <a:ln w="7620">
-            <a:solidFill>
-              <a:srgbClr val="FFFFFF"/>
-            </a:solidFill>
-            <a:prstDash val="solid"/>
-          </a:ln>
-        </p:spPr>
-      </p:sp>
-      <p:pic>
-        <p:nvPicPr>
-          <p:cNvPr id="6" name="Image 1" descr="preencoded.png">    </p:cNvPr>
-          <p:cNvPicPr>
-            <a:picLocks noChangeAspect="1"/>
-          </p:cNvPicPr>
-          <p:nvPr/>
-        </p:nvPicPr>
-        <p:blipFill>
-          <a:blip r:embed="rId2"/>
-          <a:stretch>
-            <a:fillRect/>
-          </a:stretch>
-        </p:blipFill>
-        <p:spPr>
-          <a:xfrm>
-            <a:off x="6287810" y="6027539"/>
-            <a:ext cx="347663" cy="347663"/>
-          </a:xfrm>
-          <a:prstGeom prst="rect">
-            <a:avLst/>
-          </a:prstGeom>
-        </p:spPr>
-      </p:pic>
-      <p:sp>
-        <p:nvSpPr>
           <p:cNvPr id="7" name="Text 3"/>
           <p:cNvSpPr/>
           <p:nvPr/>
         </p:nvSpPr>
         <p:spPr>
           <a:xfrm>
-            <a:off x="6756440" y="6003012"/>
-            <a:ext cx="2648069" cy="396835"/>
+            <a:off x="6546235" y="6003012"/>
+            <a:ext cx="7080171" cy="1249126"/>
           </a:xfrm>
           <a:prstGeom prst="rect">
             <a:avLst/>
@@ -2528,7 +2411,7 @@
           <a:bodyPr wrap="none" lIns="0" tIns="0" rIns="0" bIns="0" rtlCol="0" anchor="t"/>
           <a:lstStyle/>
           <a:p>
-            <a:pPr algn="l" indent="0" marL="0">
+            <a:pPr marL="0" indent="0">
               <a:lnSpc>
                 <a:spcPts val="3100"/>
               </a:lnSpc>
@@ -2541,11 +2424,205 @@
                 </a:solidFill>
                 <a:latin typeface="Roboto Bold" pitchFamily="34" charset="0"/>
                 <a:ea typeface="Roboto Bold" pitchFamily="34" charset="-122"/>
+              </a:rPr>
+              <a:t>ABDUL HASEEB CHAUDHARY                  (SP23-BAI-001)</a:t>
+            </a:r>
+          </a:p>
+          <a:p>
+            <a:pPr marL="0" indent="0" algn="ctr">
+              <a:lnSpc>
+                <a:spcPts val="3100"/>
+              </a:lnSpc>
+              <a:buNone/>
+            </a:pPr>
+            <a:r>
+              <a:rPr lang="en-US" sz="2200" b="1" dirty="0">
+                <a:solidFill>
+                  <a:srgbClr val="E5E0DF"/>
+                </a:solidFill>
+                <a:latin typeface="Roboto Bold" pitchFamily="34" charset="0"/>
+                <a:ea typeface="Roboto Bold" pitchFamily="34" charset="-122"/>
+              </a:rPr>
+              <a:t>HAMZA AHMAD                                          (SP23-BAI-018)</a:t>
+            </a:r>
+          </a:p>
+          <a:p>
+            <a:pPr algn="ctr">
+              <a:lnSpc>
+                <a:spcPts val="3100"/>
+              </a:lnSpc>
+            </a:pPr>
+            <a:r>
+              <a:rPr lang="en-US" sz="2200" b="1" dirty="0">
+                <a:solidFill>
+                  <a:srgbClr val="E5E0DF"/>
+                </a:solidFill>
+                <a:latin typeface="Roboto Bold" pitchFamily="34" charset="0"/>
+                <a:ea typeface="Roboto Bold" pitchFamily="34" charset="-122"/>
                 <a:cs typeface="Roboto Bold" pitchFamily="34" charset="-120"/>
               </a:rPr>
-              <a:t>by SYED AHMAD ALI</a:t>
-            </a:r>
+              <a:t>SYED AHMAD ALI</a:t>
+            </a:r>
+            <a:r>
+              <a:rPr lang="en-US" sz="2200" b="1" dirty="0">
+                <a:solidFill>
+                  <a:srgbClr val="E5E0DF"/>
+                </a:solidFill>
+                <a:latin typeface="Roboto Bold" pitchFamily="34" charset="0"/>
+                <a:ea typeface="Roboto Bold" pitchFamily="34" charset="-122"/>
+              </a:rPr>
+              <a:t>                                        (SP23-BAI-050)</a:t>
+            </a:r>
+            <a:endParaRPr lang="en-US" sz="2200" b="1" dirty="0">
+              <a:solidFill>
+                <a:srgbClr val="E5E0DF"/>
+              </a:solidFill>
+              <a:latin typeface="Roboto Bold" pitchFamily="34" charset="0"/>
+              <a:ea typeface="Roboto Bold" pitchFamily="34" charset="-122"/>
+              <a:cs typeface="Roboto Bold" pitchFamily="34" charset="-120"/>
+            </a:endParaRPr>
+          </a:p>
+          <a:p>
+            <a:pPr marL="0" indent="0" algn="ctr">
+              <a:lnSpc>
+                <a:spcPts val="3100"/>
+              </a:lnSpc>
+              <a:buNone/>
+            </a:pPr>
             <a:endParaRPr lang="en-US" sz="2200" dirty="0"/>
+          </a:p>
+        </p:txBody>
+      </p:sp>
+    </p:spTree>
+  </p:cSld>
+  <p:clrMapOvr>
+    <a:masterClrMapping/>
+  </p:clrMapOvr>
+</p:sld>
+</file>
+
+<file path=ppt/slides/slide10.xml><?xml version="1.0" encoding="utf-8"?>
+<p:sld xmlns:a="http://schemas.openxmlformats.org/drawingml/2006/main" xmlns:r="http://schemas.openxmlformats.org/officeDocument/2006/relationships" xmlns:p="http://schemas.openxmlformats.org/presentationml/2006/main">
+  <p:cSld name="Slide 9">
+    <p:spTree>
+      <p:nvGrpSpPr>
+        <p:cNvPr id="1" name=""/>
+        <p:cNvGrpSpPr/>
+        <p:nvPr/>
+      </p:nvGrpSpPr>
+      <p:grpSpPr>
+        <a:xfrm>
+          <a:off x="0" y="0"/>
+          <a:ext cx="0" cy="0"/>
+          <a:chOff x="0" y="0"/>
+          <a:chExt cx="0" cy="0"/>
+        </a:xfrm>
+      </p:grpSpPr>
+      <p:pic>
+        <p:nvPicPr>
+          <p:cNvPr id="2" name="Image 0" descr="preencoded.png"/>
+          <p:cNvPicPr>
+            <a:picLocks noChangeAspect="1"/>
+          </p:cNvPicPr>
+          <p:nvPr/>
+        </p:nvPicPr>
+        <p:blipFill>
+          <a:blip r:embed="rId3"/>
+          <a:stretch>
+            <a:fillRect/>
+          </a:stretch>
+        </p:blipFill>
+        <p:spPr>
+          <a:xfrm>
+            <a:off x="0" y="0"/>
+            <a:ext cx="5486400" cy="8229600"/>
+          </a:xfrm>
+          <a:prstGeom prst="rect">
+            <a:avLst/>
+          </a:prstGeom>
+        </p:spPr>
+      </p:pic>
+      <p:sp>
+        <p:nvSpPr>
+          <p:cNvPr id="3" name="Text 0"/>
+          <p:cNvSpPr/>
+          <p:nvPr/>
+        </p:nvSpPr>
+        <p:spPr>
+          <a:xfrm>
+            <a:off x="6280190" y="1784271"/>
+            <a:ext cx="7556421" cy="1417558"/>
+          </a:xfrm>
+          <a:prstGeom prst="rect">
+            <a:avLst/>
+          </a:prstGeom>
+          <a:noFill/>
+          <a:ln/>
+        </p:spPr>
+        <p:txBody>
+          <a:bodyPr wrap="square" lIns="0" tIns="0" rIns="0" bIns="0" rtlCol="0" anchor="t"/>
+          <a:lstStyle/>
+          <a:p>
+            <a:pPr marL="0" indent="0">
+              <a:lnSpc>
+                <a:spcPts val="5550"/>
+              </a:lnSpc>
+              <a:buNone/>
+            </a:pPr>
+            <a:r>
+              <a:rPr lang="en-US" sz="4450" dirty="0">
+                <a:solidFill>
+                  <a:srgbClr val="F2F2F3"/>
+                </a:solidFill>
+                <a:latin typeface="Poppins Light" pitchFamily="34" charset="0"/>
+                <a:ea typeface="Poppins Light" pitchFamily="34" charset="-122"/>
+                <a:cs typeface="Poppins Light" pitchFamily="34" charset="-120"/>
+              </a:rPr>
+              <a:t>Conclusion: Key Takeaways and Next Steps</a:t>
+            </a:r>
+            <a:endParaRPr lang="en-US" sz="4450" dirty="0"/>
+          </a:p>
+        </p:txBody>
+      </p:sp>
+      <p:sp>
+        <p:nvSpPr>
+          <p:cNvPr id="4" name="Text 1"/>
+          <p:cNvSpPr/>
+          <p:nvPr/>
+        </p:nvSpPr>
+        <p:spPr>
+          <a:xfrm>
+            <a:off x="6280190" y="3541990"/>
+            <a:ext cx="7556421" cy="2903220"/>
+          </a:xfrm>
+          <a:prstGeom prst="rect">
+            <a:avLst/>
+          </a:prstGeom>
+          <a:noFill/>
+          <a:ln/>
+        </p:spPr>
+        <p:txBody>
+          <a:bodyPr wrap="square" lIns="0" tIns="0" rIns="0" bIns="0" rtlCol="0" anchor="t"/>
+          <a:lstStyle/>
+          <a:p>
+            <a:pPr marL="0" indent="0">
+              <a:lnSpc>
+                <a:spcPts val="2850"/>
+              </a:lnSpc>
+              <a:buNone/>
+            </a:pPr>
+            <a:r>
+              <a:rPr lang="en-US" sz="1750" dirty="0">
+                <a:solidFill>
+                  <a:srgbClr val="E5E0DF"/>
+                </a:solidFill>
+                <a:latin typeface="Roboto Light" pitchFamily="34" charset="0"/>
+                <a:ea typeface="Roboto Light" pitchFamily="34" charset="-122"/>
+                <a:cs typeface="Roboto Light" pitchFamily="34" charset="-120"/>
+              </a:rPr>
+              <a:t>This comparative analysis reveals that both ANNs and CNNs are valuable tools in deep learning, each with its strengths and weaknesses. ANNs offer flexibility and effectiveness for simpler tasks, while CNNs excel in image-based tasks requiring spatial feature extraction. Further research is needed to explore hybrid architectures that leverage the strengths of both approaches. Moreover, investigating the performance of these models on more challenging datasets, such as ImageNet, would provide a comprehensive understanding of their capabilities and limitations.</a:t>
+            </a:r>
+            <a:endParaRPr lang="en-US" sz="1750" dirty="0"/>
           </a:p>
         </p:txBody>
       </p:sp>
@@ -2595,7 +2672,7 @@
           <a:bodyPr wrap="none" lIns="0" tIns="0" rIns="0" bIns="0" rtlCol="0" anchor="t"/>
           <a:lstStyle/>
           <a:p>
-            <a:pPr indent="0" marL="0">
+            <a:pPr marL="0" indent="0">
               <a:lnSpc>
                 <a:spcPts val="5550"/>
               </a:lnSpc>
@@ -2637,7 +2714,7 @@
           <a:bodyPr wrap="none" lIns="0" tIns="0" rIns="0" bIns="0" rtlCol="0" anchor="t"/>
           <a:lstStyle/>
           <a:p>
-            <a:pPr indent="0" marL="0">
+            <a:pPr marL="0" indent="0">
               <a:lnSpc>
                 <a:spcPts val="2750"/>
               </a:lnSpc>
@@ -2679,7 +2756,7 @@
           <a:bodyPr wrap="square" lIns="0" tIns="0" rIns="0" bIns="0" rtlCol="0" anchor="t"/>
           <a:lstStyle/>
           <a:p>
-            <a:pPr indent="0" marL="0">
+            <a:pPr marL="0" indent="0">
               <a:lnSpc>
                 <a:spcPts val="2850"/>
               </a:lnSpc>
@@ -2721,7 +2798,7 @@
           <a:bodyPr wrap="none" lIns="0" tIns="0" rIns="0" bIns="0" rtlCol="0" anchor="t"/>
           <a:lstStyle/>
           <a:p>
-            <a:pPr indent="0" marL="0">
+            <a:pPr marL="0" indent="0">
               <a:lnSpc>
                 <a:spcPts val="2750"/>
               </a:lnSpc>
@@ -2751,7 +2828,7 @@
         <p:spPr>
           <a:xfrm>
             <a:off x="7599521" y="4033957"/>
-            <a:ext cx="6244709" cy="1814513"/>
+            <a:ext cx="6244709" cy="3345038"/>
           </a:xfrm>
           <a:prstGeom prst="rect">
             <a:avLst/>
@@ -2763,24 +2840,169 @@
           <a:bodyPr wrap="square" lIns="0" tIns="0" rIns="0" bIns="0" rtlCol="0" anchor="t"/>
           <a:lstStyle/>
           <a:p>
-            <a:pPr indent="0" marL="0">
+            <a:pPr marL="0" indent="0">
               <a:lnSpc>
                 <a:spcPts val="2850"/>
               </a:lnSpc>
               <a:buNone/>
             </a:pPr>
             <a:r>
-              <a:rPr lang="en-US" sz="1750" dirty="0">
-                <a:solidFill>
-                  <a:srgbClr val="E5E0DF"/>
-                </a:solidFill>
-                <a:latin typeface="Roboto Light" pitchFamily="34" charset="0"/>
-                <a:ea typeface="Roboto Light" pitchFamily="34" charset="-122"/>
-                <a:cs typeface="Roboto Light" pitchFamily="34" charset="-120"/>
-              </a:rPr>
-              <a:t>A PyTorch ANN was designed for classifying MNIST digits. The model consists of an input layer with 784 nodes, two hidden layers with 128 and 64 neurons (ReLU activation), and an output layer with 10 nodes (Softmax activation). The model was trained with the Adam optimizer and CrossEntropyLoss.</a:t>
-            </a:r>
-            <a:endParaRPr lang="en-US" sz="1750" dirty="0"/>
+              <a:rPr lang="en-US" sz="1600" dirty="0">
+                <a:solidFill>
+                  <a:schemeClr val="bg1"/>
+                </a:solidFill>
+              </a:rPr>
+              <a:t>A </a:t>
+            </a:r>
+            <a:r>
+              <a:rPr lang="en-US" sz="1600" b="1" dirty="0">
+                <a:solidFill>
+                  <a:schemeClr val="bg1"/>
+                </a:solidFill>
+              </a:rPr>
+              <a:t>PyTorch ANN</a:t>
+            </a:r>
+            <a:r>
+              <a:rPr lang="en-US" sz="1600" dirty="0">
+                <a:solidFill>
+                  <a:schemeClr val="bg1"/>
+                </a:solidFill>
+              </a:rPr>
+              <a:t> was designed for classifying </a:t>
+            </a:r>
+            <a:r>
+              <a:rPr lang="en-US" sz="1600" b="1" dirty="0">
+                <a:solidFill>
+                  <a:schemeClr val="bg1"/>
+                </a:solidFill>
+              </a:rPr>
+              <a:t>MNIST digits</a:t>
+            </a:r>
+            <a:r>
+              <a:rPr lang="en-US" sz="1600" dirty="0">
+                <a:solidFill>
+                  <a:schemeClr val="bg1"/>
+                </a:solidFill>
+              </a:rPr>
+              <a:t>. The model consists of an </a:t>
+            </a:r>
+            <a:r>
+              <a:rPr lang="en-US" sz="1600" b="1" dirty="0">
+                <a:solidFill>
+                  <a:schemeClr val="bg1"/>
+                </a:solidFill>
+              </a:rPr>
+              <a:t>input layer</a:t>
+            </a:r>
+            <a:r>
+              <a:rPr lang="en-US" sz="1600" dirty="0">
+                <a:solidFill>
+                  <a:schemeClr val="bg1"/>
+                </a:solidFill>
+              </a:rPr>
+              <a:t> with 784 nodes, followed by </a:t>
+            </a:r>
+            <a:r>
+              <a:rPr lang="en-US" sz="1600" b="1" dirty="0">
+                <a:solidFill>
+                  <a:schemeClr val="bg1"/>
+                </a:solidFill>
+              </a:rPr>
+              <a:t>five hidden layers</a:t>
+            </a:r>
+            <a:r>
+              <a:rPr lang="en-US" sz="1600" dirty="0">
+                <a:solidFill>
+                  <a:schemeClr val="bg1"/>
+                </a:solidFill>
+              </a:rPr>
+              <a:t> with sizes 200, 170, 140, 90, and 50 neurons respectively, each using the </a:t>
+            </a:r>
+            <a:r>
+              <a:rPr lang="en-US" sz="1600" b="1" dirty="0">
+                <a:solidFill>
+                  <a:schemeClr val="bg1"/>
+                </a:solidFill>
+              </a:rPr>
+              <a:t>ReLU activation function</a:t>
+            </a:r>
+            <a:r>
+              <a:rPr lang="en-US" sz="1600" dirty="0">
+                <a:solidFill>
+                  <a:schemeClr val="bg1"/>
+                </a:solidFill>
+              </a:rPr>
+              <a:t>. The final </a:t>
+            </a:r>
+            <a:r>
+              <a:rPr lang="en-US" sz="1600" b="1" dirty="0">
+                <a:solidFill>
+                  <a:schemeClr val="bg1"/>
+                </a:solidFill>
+              </a:rPr>
+              <a:t>output layer</a:t>
+            </a:r>
+            <a:r>
+              <a:rPr lang="en-US" sz="1600" dirty="0">
+                <a:solidFill>
+                  <a:schemeClr val="bg1"/>
+                </a:solidFill>
+              </a:rPr>
+              <a:t> consists of 10 nodes representing the 10-digit classes. The weights of the layers are initialized using </a:t>
+            </a:r>
+            <a:r>
+              <a:rPr lang="en-US" sz="1600" b="1" dirty="0">
+                <a:solidFill>
+                  <a:schemeClr val="bg1"/>
+                </a:solidFill>
+              </a:rPr>
+              <a:t>Xavier Normal Initialization</a:t>
+            </a:r>
+            <a:r>
+              <a:rPr lang="en-US" sz="1600" dirty="0">
+                <a:solidFill>
+                  <a:schemeClr val="bg1"/>
+                </a:solidFill>
+              </a:rPr>
+              <a:t> to ensure proper scaling of gradients. The model was trained using the </a:t>
+            </a:r>
+            <a:r>
+              <a:rPr lang="en-US" sz="1600" b="1" dirty="0">
+                <a:solidFill>
+                  <a:schemeClr val="bg1"/>
+                </a:solidFill>
+              </a:rPr>
+              <a:t>SGD optimizer</a:t>
+            </a:r>
+            <a:r>
+              <a:rPr lang="en-US" sz="1600" dirty="0">
+                <a:solidFill>
+                  <a:schemeClr val="bg1"/>
+                </a:solidFill>
+              </a:rPr>
+              <a:t> and </a:t>
+            </a:r>
+            <a:r>
+              <a:rPr lang="en-US" sz="1600" b="1" dirty="0">
+                <a:solidFill>
+                  <a:schemeClr val="bg1"/>
+                </a:solidFill>
+              </a:rPr>
+              <a:t>CrossEntropyLoss</a:t>
+            </a:r>
+            <a:r>
+              <a:rPr lang="en-US" sz="1600" dirty="0">
+                <a:solidFill>
+                  <a:schemeClr val="bg1"/>
+                </a:solidFill>
+              </a:rPr>
+              <a:t>, which includes the application of the softmax function internally during the loss computation.</a:t>
+            </a:r>
+            <a:endParaRPr lang="en-US" sz="1750" dirty="0">
+              <a:solidFill>
+                <a:schemeClr val="bg1"/>
+              </a:solidFill>
+            </a:endParaRPr>
           </a:p>
         </p:txBody>
       </p:sp>
@@ -2830,7 +3052,7 @@
           <a:bodyPr wrap="square" lIns="0" tIns="0" rIns="0" bIns="0" rtlCol="0" anchor="t"/>
           <a:lstStyle/>
           <a:p>
-            <a:pPr indent="0" marL="0">
+            <a:pPr marL="0" indent="0">
               <a:lnSpc>
                 <a:spcPts val="5550"/>
               </a:lnSpc>
@@ -2872,7 +3094,7 @@
           <a:bodyPr wrap="none" lIns="0" tIns="0" rIns="0" bIns="0" rtlCol="0" anchor="t"/>
           <a:lstStyle/>
           <a:p>
-            <a:pPr indent="0" marL="0">
+            <a:pPr marL="0" indent="0">
               <a:lnSpc>
                 <a:spcPts val="2750"/>
               </a:lnSpc>
@@ -2914,7 +3136,7 @@
           <a:bodyPr wrap="square" lIns="0" tIns="0" rIns="0" bIns="0" rtlCol="0" anchor="t"/>
           <a:lstStyle/>
           <a:p>
-            <a:pPr indent="0" marL="0">
+            <a:pPr marL="0" indent="0">
               <a:lnSpc>
                 <a:spcPts val="2850"/>
               </a:lnSpc>
@@ -2956,7 +3178,7 @@
           <a:bodyPr wrap="none" lIns="0" tIns="0" rIns="0" bIns="0" rtlCol="0" anchor="t"/>
           <a:lstStyle/>
           <a:p>
-            <a:pPr indent="0" marL="0">
+            <a:pPr marL="0" indent="0">
               <a:lnSpc>
                 <a:spcPts val="2750"/>
               </a:lnSpc>
@@ -2986,7 +3208,7 @@
         <p:spPr>
           <a:xfrm>
             <a:off x="7599521" y="4206835"/>
-            <a:ext cx="6244709" cy="2177415"/>
+            <a:ext cx="6244709" cy="2629900"/>
           </a:xfrm>
           <a:prstGeom prst="rect">
             <a:avLst/>
@@ -2998,24 +3220,201 @@
           <a:bodyPr wrap="square" lIns="0" tIns="0" rIns="0" bIns="0" rtlCol="0" anchor="t"/>
           <a:lstStyle/>
           <a:p>
-            <a:pPr indent="0" marL="0">
+            <a:pPr marL="0" indent="0">
               <a:lnSpc>
                 <a:spcPts val="2850"/>
               </a:lnSpc>
               <a:buNone/>
             </a:pPr>
             <a:r>
-              <a:rPr lang="en-US" sz="1750" dirty="0">
-                <a:solidFill>
-                  <a:srgbClr val="E5E0DF"/>
-                </a:solidFill>
-                <a:latin typeface="Roboto Light" pitchFamily="34" charset="0"/>
-                <a:ea typeface="Roboto Light" pitchFamily="34" charset="-122"/>
-                <a:cs typeface="Roboto Light" pitchFamily="34" charset="-120"/>
-              </a:rPr>
-              <a:t>A PyTorch ANN was implemented for predicting the median house value in a district. The model utilizes 8 input nodes corresponding to the features, two hidden layers with 64 and 32 neurons (ReLU activation), and an output layer with one node (linear activation). Training was performed using the SGD optimizer and MSE loss.</a:t>
-            </a:r>
-            <a:endParaRPr lang="en-US" sz="1750" dirty="0"/>
+              <a:rPr lang="en-US" sz="1600" dirty="0">
+                <a:solidFill>
+                  <a:schemeClr val="bg1"/>
+                </a:solidFill>
+              </a:rPr>
+              <a:t>A </a:t>
+            </a:r>
+            <a:r>
+              <a:rPr lang="en-US" sz="1600" b="1" dirty="0">
+                <a:solidFill>
+                  <a:schemeClr val="bg1"/>
+                </a:solidFill>
+              </a:rPr>
+              <a:t>PyTorch ANN</a:t>
+            </a:r>
+            <a:r>
+              <a:rPr lang="en-US" sz="1600" dirty="0">
+                <a:solidFill>
+                  <a:schemeClr val="bg1"/>
+                </a:solidFill>
+              </a:rPr>
+              <a:t> was implemented for predicting the </a:t>
+            </a:r>
+            <a:r>
+              <a:rPr lang="en-US" sz="1600" b="1" dirty="0">
+                <a:solidFill>
+                  <a:schemeClr val="bg1"/>
+                </a:solidFill>
+              </a:rPr>
+              <a:t>median house value in a district</a:t>
+            </a:r>
+            <a:r>
+              <a:rPr lang="en-US" sz="1600" dirty="0">
+                <a:solidFill>
+                  <a:schemeClr val="bg1"/>
+                </a:solidFill>
+              </a:rPr>
+              <a:t>. The model consists of </a:t>
+            </a:r>
+            <a:r>
+              <a:rPr lang="en-US" sz="1600" b="1" dirty="0">
+                <a:solidFill>
+                  <a:schemeClr val="bg1"/>
+                </a:solidFill>
+              </a:rPr>
+              <a:t>8 input nodes</a:t>
+            </a:r>
+            <a:r>
+              <a:rPr lang="en-US" sz="1600" dirty="0">
+                <a:solidFill>
+                  <a:schemeClr val="bg1"/>
+                </a:solidFill>
+              </a:rPr>
+              <a:t> corresponding to the features, followed by a </a:t>
+            </a:r>
+            <a:r>
+              <a:rPr lang="en-US" sz="1600" b="1" dirty="0">
+                <a:solidFill>
+                  <a:schemeClr val="bg1"/>
+                </a:solidFill>
+              </a:rPr>
+              <a:t>hidden layer</a:t>
+            </a:r>
+            <a:r>
+              <a:rPr lang="en-US" sz="1600" dirty="0">
+                <a:solidFill>
+                  <a:schemeClr val="bg1"/>
+                </a:solidFill>
+              </a:rPr>
+              <a:t> with </a:t>
+            </a:r>
+            <a:r>
+              <a:rPr lang="en-US" sz="1600" b="1" dirty="0">
+                <a:solidFill>
+                  <a:schemeClr val="bg1"/>
+                </a:solidFill>
+              </a:rPr>
+              <a:t>16 neurons</a:t>
+            </a:r>
+            <a:r>
+              <a:rPr lang="en-US" sz="1600" dirty="0">
+                <a:solidFill>
+                  <a:schemeClr val="bg1"/>
+                </a:solidFill>
+              </a:rPr>
+              <a:t> using the </a:t>
+            </a:r>
+            <a:r>
+              <a:rPr lang="en-US" sz="1600" b="1" dirty="0">
+                <a:solidFill>
+                  <a:schemeClr val="bg1"/>
+                </a:solidFill>
+              </a:rPr>
+              <a:t>ReLU activation function</a:t>
+            </a:r>
+            <a:r>
+              <a:rPr lang="en-US" sz="1600" dirty="0">
+                <a:solidFill>
+                  <a:schemeClr val="bg1"/>
+                </a:solidFill>
+              </a:rPr>
+              <a:t> and an </a:t>
+            </a:r>
+            <a:r>
+              <a:rPr lang="en-US" sz="1600" b="1" dirty="0">
+                <a:solidFill>
+                  <a:schemeClr val="bg1"/>
+                </a:solidFill>
+              </a:rPr>
+              <a:t>output layer</a:t>
+            </a:r>
+            <a:r>
+              <a:rPr lang="en-US" sz="1600" dirty="0">
+                <a:solidFill>
+                  <a:schemeClr val="bg1"/>
+                </a:solidFill>
+              </a:rPr>
+              <a:t> with </a:t>
+            </a:r>
+            <a:r>
+              <a:rPr lang="en-US" sz="1600" b="1" dirty="0">
+                <a:solidFill>
+                  <a:schemeClr val="bg1"/>
+                </a:solidFill>
+              </a:rPr>
+              <a:t>one node</a:t>
+            </a:r>
+            <a:r>
+              <a:rPr lang="en-US" sz="1600" dirty="0">
+                <a:solidFill>
+                  <a:schemeClr val="bg1"/>
+                </a:solidFill>
+              </a:rPr>
+              <a:t> for continuous value prediction (no activation). The model's weights were initialized with </a:t>
+            </a:r>
+            <a:r>
+              <a:rPr lang="en-US" sz="1600" b="1" dirty="0">
+                <a:solidFill>
+                  <a:schemeClr val="bg1"/>
+                </a:solidFill>
+              </a:rPr>
+              <a:t>random normal initialization</a:t>
+            </a:r>
+            <a:r>
+              <a:rPr lang="en-US" sz="1600" dirty="0">
+                <a:solidFill>
+                  <a:schemeClr val="bg1"/>
+                </a:solidFill>
+              </a:rPr>
+              <a:t>. The training process was carried out using the </a:t>
+            </a:r>
+            <a:r>
+              <a:rPr lang="en-US" sz="1600" b="1" dirty="0">
+                <a:solidFill>
+                  <a:schemeClr val="bg1"/>
+                </a:solidFill>
+              </a:rPr>
+              <a:t>SGD optimizer</a:t>
+            </a:r>
+            <a:r>
+              <a:rPr lang="en-US" sz="1600" dirty="0">
+                <a:solidFill>
+                  <a:schemeClr val="bg1"/>
+                </a:solidFill>
+              </a:rPr>
+              <a:t> and the </a:t>
+            </a:r>
+            <a:r>
+              <a:rPr lang="en-US" sz="1600" b="1" dirty="0">
+                <a:solidFill>
+                  <a:schemeClr val="bg1"/>
+                </a:solidFill>
+              </a:rPr>
+              <a:t>Mean Squared Error (MSE) loss function</a:t>
+            </a:r>
+            <a:r>
+              <a:rPr lang="en-US" sz="1600" dirty="0">
+                <a:solidFill>
+                  <a:schemeClr val="bg1"/>
+                </a:solidFill>
+              </a:rPr>
+              <a:t>.</a:t>
+            </a:r>
+            <a:endParaRPr lang="en-US" sz="1750" dirty="0">
+              <a:solidFill>
+                <a:schemeClr val="bg1"/>
+              </a:solidFill>
+            </a:endParaRPr>
           </a:p>
         </p:txBody>
       </p:sp>
@@ -3065,7 +3464,7 @@
           <a:bodyPr wrap="none" lIns="0" tIns="0" rIns="0" bIns="0" rtlCol="0" anchor="t"/>
           <a:lstStyle/>
           <a:p>
-            <a:pPr indent="0" marL="0">
+            <a:pPr marL="0" indent="0">
               <a:lnSpc>
                 <a:spcPts val="5550"/>
               </a:lnSpc>
@@ -3080,7 +3479,7 @@
                 <a:ea typeface="Poppins Light" pitchFamily="34" charset="-122"/>
                 <a:cs typeface="Poppins Light" pitchFamily="34" charset="-120"/>
               </a:rPr>
-              <a:t>CIFAR-10 Dataset: Image Classification</a:t>
+              <a:t>ASL Dataset: Image Classification</a:t>
             </a:r>
             <a:endParaRPr lang="en-US" sz="4450" dirty="0"/>
           </a:p>
@@ -3107,7 +3506,7 @@
           <a:bodyPr wrap="none" lIns="0" tIns="0" rIns="0" bIns="0" rtlCol="0" anchor="t"/>
           <a:lstStyle/>
           <a:p>
-            <a:pPr indent="0" marL="0">
+            <a:pPr marL="0" indent="0">
               <a:lnSpc>
                 <a:spcPts val="2750"/>
               </a:lnSpc>
@@ -3149,7 +3548,7 @@
           <a:bodyPr wrap="square" lIns="0" tIns="0" rIns="0" bIns="0" rtlCol="0" anchor="t"/>
           <a:lstStyle/>
           <a:p>
-            <a:pPr indent="0" marL="0">
+            <a:pPr marL="0" indent="0">
               <a:lnSpc>
                 <a:spcPts val="2850"/>
               </a:lnSpc>
@@ -3191,7 +3590,7 @@
           <a:bodyPr wrap="none" lIns="0" tIns="0" rIns="0" bIns="0" rtlCol="0" anchor="t"/>
           <a:lstStyle/>
           <a:p>
-            <a:pPr indent="0" marL="0">
+            <a:pPr marL="0" indent="0">
               <a:lnSpc>
                 <a:spcPts val="2750"/>
               </a:lnSpc>
@@ -3233,7 +3632,7 @@
           <a:bodyPr wrap="square" lIns="0" tIns="0" rIns="0" bIns="0" rtlCol="0" anchor="t"/>
           <a:lstStyle/>
           <a:p>
-            <a:pPr indent="0" marL="0">
+            <a:pPr marL="0" indent="0">
               <a:lnSpc>
                 <a:spcPts val="2850"/>
               </a:lnSpc>
@@ -3248,7 +3647,7 @@
                 <a:ea typeface="Roboto Light" pitchFamily="34" charset="-122"/>
                 <a:cs typeface="Roboto Light" pitchFamily="34" charset="-120"/>
               </a:rPr>
-              <a:t>A Keras CNN model was built for classifying images in the CIFAR-10 dataset. The model includes two convolutional layers with 32 and 64 filters (3x3 kernel size, ReLU activation), each followed by max pooling. A fully connected layer with 128 neurons (ReLU activation) precedes the output layer with 10 nodes (Softmax activation). The Adam optimizer and categorical crossentropy loss were used for training.</a:t>
+              <a:t>A Keras CNN model was built for classifying images in the ASL dataset. The model includes two convolutional layers with 32 and 64 filters (3x3 kernel size, ReLU activation), each followed by max pooling. A fully connected layer with 128 neurons (ReLU activation) precedes the output layer with 10 nodes (Softmax activation). The Adam optimizer and categorical crossentropy loss were used for training.</a:t>
             </a:r>
             <a:endParaRPr lang="en-US" sz="1750" dirty="0"/>
           </a:p>
@@ -3263,6 +3662,1555 @@
 </file>
 
 <file path=ppt/slides/slide5.xml><?xml version="1.0" encoding="utf-8"?>
+<p:sld xmlns:a="http://schemas.openxmlformats.org/drawingml/2006/main" xmlns:r="http://schemas.openxmlformats.org/officeDocument/2006/relationships" xmlns:p="http://schemas.openxmlformats.org/presentationml/2006/main">
+  <p:cSld>
+    <p:bg>
+      <p:bgPr>
+        <a:solidFill>
+          <a:schemeClr val="bg1"/>
+        </a:solidFill>
+        <a:effectLst/>
+      </p:bgPr>
+    </p:bg>
+    <p:spTree>
+      <p:nvGrpSpPr>
+        <p:cNvPr id="1" name="">
+          <a:extLst>
+            <a:ext uri="{FF2B5EF4-FFF2-40B4-BE49-F238E27FC236}">
+              <a16:creationId xmlns:a16="http://schemas.microsoft.com/office/drawing/2014/main" id="{D9DB4009-3312-0E77-0340-4BDF051C4DB2}"/>
+            </a:ext>
+          </a:extLst>
+        </p:cNvPr>
+        <p:cNvGrpSpPr/>
+        <p:nvPr/>
+      </p:nvGrpSpPr>
+      <p:grpSpPr>
+        <a:xfrm>
+          <a:off x="0" y="0"/>
+          <a:ext cx="0" cy="0"/>
+          <a:chOff x="0" y="0"/>
+          <a:chExt cx="0" cy="0"/>
+        </a:xfrm>
+      </p:grpSpPr>
+      <p:sp>
+        <p:nvSpPr>
+          <p:cNvPr id="12" name="Down Arrow 7">
+            <a:extLst>
+              <a:ext uri="{FF2B5EF4-FFF2-40B4-BE49-F238E27FC236}">
+                <a16:creationId xmlns:a16="http://schemas.microsoft.com/office/drawing/2014/main" id="{D4771268-CB57-404A-9271-370EB28F6090}"/>
+              </a:ext>
+              <a:ext uri="{C183D7F6-B498-43B3-948B-1728B52AA6E4}">
+                <adec:decorative xmlns:adec="http://schemas.microsoft.com/office/drawing/2017/decorative" val="1"/>
+              </a:ext>
+            </a:extLst>
+          </p:cNvPr>
+          <p:cNvSpPr>
+            <a:spLocks noGrp="1" noRot="1" noChangeAspect="1" noMove="1" noResize="1" noEditPoints="1" noAdjustHandles="1" noChangeArrowheads="1" noChangeShapeType="1" noTextEdit="1"/>
+          </p:cNvSpPr>
+          <p:nvPr>
+            <p:extLst>
+              <p:ext uri="{386F3935-93C4-4BCD-93E2-E3B085C9AB24}">
+                <p16:designElem xmlns:p16="http://schemas.microsoft.com/office/powerpoint/2015/main" val="1"/>
+              </p:ext>
+            </p:extLst>
+          </p:nvPr>
+        </p:nvSpPr>
+        <p:spPr>
+          <a:xfrm rot="16200000">
+            <a:off x="960120" y="1789612"/>
+            <a:ext cx="4000499" cy="4198924"/>
+          </a:xfrm>
+          <a:prstGeom prst="downArrow">
+            <a:avLst>
+              <a:gd name="adj1" fmla="val 100000"/>
+              <a:gd name="adj2" fmla="val 15788"/>
+            </a:avLst>
+          </a:prstGeom>
+          <a:solidFill>
+            <a:srgbClr val="404040"/>
+          </a:solidFill>
+          <a:ln w="53975">
+            <a:noFill/>
+          </a:ln>
+        </p:spPr>
+        <p:style>
+          <a:lnRef idx="2">
+            <a:schemeClr val="accent1">
+              <a:shade val="50000"/>
+            </a:schemeClr>
+          </a:lnRef>
+          <a:fillRef idx="1">
+            <a:schemeClr val="accent1"/>
+          </a:fillRef>
+          <a:effectRef idx="0">
+            <a:schemeClr val="accent1"/>
+          </a:effectRef>
+          <a:fontRef idx="minor">
+            <a:schemeClr val="lt1"/>
+          </a:fontRef>
+        </p:style>
+        <p:txBody>
+          <a:bodyPr rtlCol="0" anchor="ctr"/>
+          <a:lstStyle/>
+          <a:p>
+            <a:pPr algn="ctr"/>
+            <a:endParaRPr lang="en-US"/>
+          </a:p>
+        </p:txBody>
+      </p:sp>
+      <p:sp>
+        <p:nvSpPr>
+          <p:cNvPr id="2" name="Text 0">
+            <a:extLst>
+              <a:ext uri="{FF2B5EF4-FFF2-40B4-BE49-F238E27FC236}">
+                <a16:creationId xmlns:a16="http://schemas.microsoft.com/office/drawing/2014/main" id="{15C15588-87DB-C42C-E5C1-F72F0F1F879E}"/>
+              </a:ext>
+            </a:extLst>
+          </p:cNvPr>
+          <p:cNvSpPr/>
+          <p:nvPr/>
+        </p:nvSpPr>
+        <p:spPr>
+          <a:xfrm>
+            <a:off x="1234440" y="2360719"/>
+            <a:ext cx="3154680" cy="3056708"/>
+          </a:xfrm>
+          <a:prstGeom prst="rect">
+            <a:avLst/>
+          </a:prstGeom>
+          <a:noFill/>
+        </p:spPr>
+        <p:txBody>
+          <a:bodyPr vert="horz" lIns="91440" tIns="45720" rIns="91440" bIns="45720" rtlCol="0" anchor="ctr">
+            <a:normAutofit/>
+          </a:bodyPr>
+          <a:lstStyle/>
+          <a:p>
+            <a:pPr marL="0" indent="0" algn="ctr">
+              <a:lnSpc>
+                <a:spcPct val="90000"/>
+              </a:lnSpc>
+              <a:spcBef>
+                <a:spcPct val="0"/>
+              </a:spcBef>
+              <a:spcAft>
+                <a:spcPts val="600"/>
+              </a:spcAft>
+            </a:pPr>
+            <a:r>
+              <a:rPr lang="en-US" sz="3600" b="1" dirty="0">
+                <a:solidFill>
+                  <a:schemeClr val="bg1"/>
+                </a:solidFill>
+                <a:effectLst/>
+                <a:latin typeface="Aptos" panose="020B0004020202020204" pitchFamily="34" charset="0"/>
+                <a:ea typeface="Aptos" panose="020B0004020202020204" pitchFamily="34" charset="0"/>
+                <a:cs typeface="Arial" panose="020B0604020202020204" pitchFamily="34" charset="0"/>
+              </a:rPr>
+              <a:t>Comparative Table</a:t>
+            </a:r>
+            <a:endParaRPr lang="en-US" sz="4300" kern="1200" dirty="0">
+              <a:solidFill>
+                <a:schemeClr val="bg1"/>
+              </a:solidFill>
+              <a:latin typeface="+mj-lt"/>
+              <a:ea typeface="+mj-ea"/>
+              <a:cs typeface="+mj-cs"/>
+            </a:endParaRPr>
+          </a:p>
+        </p:txBody>
+      </p:sp>
+      <p:graphicFrame>
+        <p:nvGraphicFramePr>
+          <p:cNvPr id="7" name="Table 6">
+            <a:extLst>
+              <a:ext uri="{FF2B5EF4-FFF2-40B4-BE49-F238E27FC236}">
+                <a16:creationId xmlns:a16="http://schemas.microsoft.com/office/drawing/2014/main" id="{7F4E0AB8-A3E1-0888-92D2-398C37D9EA0C}"/>
+              </a:ext>
+            </a:extLst>
+          </p:cNvPr>
+          <p:cNvGraphicFramePr>
+            <a:graphicFrameLocks noGrp="1"/>
+          </p:cNvGraphicFramePr>
+          <p:nvPr>
+            <p:extLst>
+              <p:ext uri="{D42A27DB-BD31-4B8C-83A1-F6EECF244321}">
+                <p14:modId xmlns:p14="http://schemas.microsoft.com/office/powerpoint/2010/main" val="590569863"/>
+              </p:ext>
+            </p:extLst>
+          </p:nvPr>
+        </p:nvGraphicFramePr>
+        <p:xfrm>
+          <a:off x="5732779" y="2345568"/>
+          <a:ext cx="8136842" cy="4083416"/>
+        </p:xfrm>
+        <a:graphic>
+          <a:graphicData uri="http://schemas.openxmlformats.org/drawingml/2006/table">
+            <a:tbl>
+              <a:tblPr firstRow="1" firstCol="1" bandRow="1">
+                <a:solidFill>
+                  <a:srgbClr val="F2F2F2">
+                    <a:alpha val="45098"/>
+                  </a:srgbClr>
+                </a:solidFill>
+                <a:tableStyleId>{5C22544A-7EE6-4342-B048-85BDC9FD1C3A}</a:tableStyleId>
+              </a:tblPr>
+              <a:tblGrid>
+                <a:gridCol w="1803351">
+                  <a:extLst>
+                    <a:ext uri="{9D8B030D-6E8A-4147-A177-3AD203B41FA5}">
+                      <a16:colId xmlns:a16="http://schemas.microsoft.com/office/drawing/2014/main" val="4113384009"/>
+                    </a:ext>
+                  </a:extLst>
+                </a:gridCol>
+                <a:gridCol w="1394517">
+                  <a:extLst>
+                    <a:ext uri="{9D8B030D-6E8A-4147-A177-3AD203B41FA5}">
+                      <a16:colId xmlns:a16="http://schemas.microsoft.com/office/drawing/2014/main" val="4276367239"/>
+                    </a:ext>
+                  </a:extLst>
+                </a:gridCol>
+                <a:gridCol w="1956822">
+                  <a:extLst>
+                    <a:ext uri="{9D8B030D-6E8A-4147-A177-3AD203B41FA5}">
+                      <a16:colId xmlns:a16="http://schemas.microsoft.com/office/drawing/2014/main" val="1408447654"/>
+                    </a:ext>
+                  </a:extLst>
+                </a:gridCol>
+                <a:gridCol w="1713592">
+                  <a:extLst>
+                    <a:ext uri="{9D8B030D-6E8A-4147-A177-3AD203B41FA5}">
+                      <a16:colId xmlns:a16="http://schemas.microsoft.com/office/drawing/2014/main" val="2879898563"/>
+                    </a:ext>
+                  </a:extLst>
+                </a:gridCol>
+                <a:gridCol w="1268560">
+                  <a:extLst>
+                    <a:ext uri="{9D8B030D-6E8A-4147-A177-3AD203B41FA5}">
+                      <a16:colId xmlns:a16="http://schemas.microsoft.com/office/drawing/2014/main" val="3755572181"/>
+                    </a:ext>
+                  </a:extLst>
+                </a:gridCol>
+              </a:tblGrid>
+              <a:tr h="962772">
+                <a:tc>
+                  <a:txBody>
+                    <a:bodyPr/>
+                    <a:lstStyle/>
+                    <a:p>
+                      <a:pPr marL="0" marR="0" algn="ctr">
+                        <a:lnSpc>
+                          <a:spcPct val="107000"/>
+                        </a:lnSpc>
+                        <a:spcBef>
+                          <a:spcPts val="0"/>
+                        </a:spcBef>
+                        <a:spcAft>
+                          <a:spcPts val="800"/>
+                        </a:spcAft>
+                      </a:pPr>
+                      <a:r>
+                        <a:rPr lang="en-US" sz="2300" b="0" kern="100" cap="none" spc="0" dirty="0">
+                          <a:solidFill>
+                            <a:schemeClr val="bg1"/>
+                          </a:solidFill>
+                          <a:effectLst/>
+                        </a:rPr>
+                        <a:t>Model</a:t>
+                      </a:r>
+                      <a:endParaRPr lang="en-US" sz="2300" b="0" kern="100" cap="none" spc="0" dirty="0">
+                        <a:solidFill>
+                          <a:schemeClr val="bg1"/>
+                        </a:solidFill>
+                        <a:effectLst/>
+                        <a:latin typeface="Aptos" panose="020B0004020202020204" pitchFamily="34" charset="0"/>
+                        <a:ea typeface="Aptos" panose="020B0004020202020204" pitchFamily="34" charset="0"/>
+                        <a:cs typeface="Arial" panose="020B0604020202020204" pitchFamily="34" charset="0"/>
+                      </a:endParaRPr>
+                    </a:p>
+                  </a:txBody>
+                  <a:tcPr marL="15692" marR="15692" marT="150645" marB="15692" anchor="ctr">
+                    <a:lnL w="12700" cmpd="sng">
+                      <a:noFill/>
+                    </a:lnL>
+                    <a:lnR w="12700" cmpd="sng">
+                      <a:noFill/>
+                    </a:lnR>
+                    <a:lnT w="19050" cap="flat" cmpd="sng" algn="ctr">
+                      <a:noFill/>
+                      <a:prstDash val="solid"/>
+                    </a:lnT>
+                    <a:lnB w="38100" cmpd="sng">
+                      <a:noFill/>
+                    </a:lnB>
+                    <a:solidFill>
+                      <a:schemeClr val="tx1"/>
+                    </a:solidFill>
+                  </a:tcPr>
+                </a:tc>
+                <a:tc>
+                  <a:txBody>
+                    <a:bodyPr/>
+                    <a:lstStyle/>
+                    <a:p>
+                      <a:pPr marL="0" marR="0" algn="ctr">
+                        <a:lnSpc>
+                          <a:spcPct val="107000"/>
+                        </a:lnSpc>
+                        <a:spcBef>
+                          <a:spcPts val="0"/>
+                        </a:spcBef>
+                        <a:spcAft>
+                          <a:spcPts val="800"/>
+                        </a:spcAft>
+                      </a:pPr>
+                      <a:r>
+                        <a:rPr lang="en-US" sz="2300" b="0" kern="100" cap="none" spc="0">
+                          <a:solidFill>
+                            <a:schemeClr val="bg1"/>
+                          </a:solidFill>
+                          <a:effectLst/>
+                        </a:rPr>
+                        <a:t>Dataset / Task</a:t>
+                      </a:r>
+                      <a:endParaRPr lang="en-US" sz="2300" b="0" kern="100" cap="none" spc="0">
+                        <a:solidFill>
+                          <a:schemeClr val="bg1"/>
+                        </a:solidFill>
+                        <a:effectLst/>
+                        <a:latin typeface="Aptos" panose="020B0004020202020204" pitchFamily="34" charset="0"/>
+                        <a:ea typeface="Aptos" panose="020B0004020202020204" pitchFamily="34" charset="0"/>
+                        <a:cs typeface="Arial" panose="020B0604020202020204" pitchFamily="34" charset="0"/>
+                      </a:endParaRPr>
+                    </a:p>
+                  </a:txBody>
+                  <a:tcPr marL="15692" marR="15692" marT="150645" marB="15692" anchor="ctr">
+                    <a:lnL w="12700" cmpd="sng">
+                      <a:noFill/>
+                    </a:lnL>
+                    <a:lnR w="12700" cmpd="sng">
+                      <a:noFill/>
+                    </a:lnR>
+                    <a:lnT w="19050" cap="flat" cmpd="sng" algn="ctr">
+                      <a:noFill/>
+                      <a:prstDash val="solid"/>
+                    </a:lnT>
+                    <a:lnB w="38100" cmpd="sng">
+                      <a:noFill/>
+                    </a:lnB>
+                    <a:solidFill>
+                      <a:schemeClr val="tx1"/>
+                    </a:solidFill>
+                  </a:tcPr>
+                </a:tc>
+                <a:tc>
+                  <a:txBody>
+                    <a:bodyPr/>
+                    <a:lstStyle/>
+                    <a:p>
+                      <a:pPr marL="0" marR="0" algn="ctr">
+                        <a:lnSpc>
+                          <a:spcPct val="107000"/>
+                        </a:lnSpc>
+                        <a:spcBef>
+                          <a:spcPts val="0"/>
+                        </a:spcBef>
+                        <a:spcAft>
+                          <a:spcPts val="800"/>
+                        </a:spcAft>
+                      </a:pPr>
+                      <a:r>
+                        <a:rPr lang="en-US" sz="2300" b="0" kern="100" cap="none" spc="0" dirty="0">
+                          <a:solidFill>
+                            <a:schemeClr val="bg1"/>
+                          </a:solidFill>
+                          <a:effectLst/>
+                        </a:rPr>
+                        <a:t>Key </a:t>
+                      </a:r>
+                      <a:r>
+                        <a:rPr lang="en-US" sz="2300" b="0" kern="100" cap="none" spc="0" dirty="0" err="1">
+                          <a:solidFill>
+                            <a:schemeClr val="bg1"/>
+                          </a:solidFill>
+                          <a:effectLst/>
+                        </a:rPr>
+                        <a:t>Hyperparams</a:t>
+                      </a:r>
+                      <a:endParaRPr lang="en-US" sz="2300" b="0" kern="100" cap="none" spc="0" dirty="0">
+                        <a:solidFill>
+                          <a:schemeClr val="bg1"/>
+                        </a:solidFill>
+                        <a:effectLst/>
+                        <a:latin typeface="Aptos" panose="020B0004020202020204" pitchFamily="34" charset="0"/>
+                        <a:ea typeface="Aptos" panose="020B0004020202020204" pitchFamily="34" charset="0"/>
+                        <a:cs typeface="Arial" panose="020B0604020202020204" pitchFamily="34" charset="0"/>
+                      </a:endParaRPr>
+                    </a:p>
+                  </a:txBody>
+                  <a:tcPr marL="15692" marR="15692" marT="150645" marB="15692" anchor="ctr">
+                    <a:lnL w="12700" cmpd="sng">
+                      <a:noFill/>
+                    </a:lnL>
+                    <a:lnR w="12700" cmpd="sng">
+                      <a:noFill/>
+                    </a:lnR>
+                    <a:lnT w="19050" cap="flat" cmpd="sng" algn="ctr">
+                      <a:noFill/>
+                      <a:prstDash val="solid"/>
+                    </a:lnT>
+                    <a:lnB w="38100" cmpd="sng">
+                      <a:noFill/>
+                    </a:lnB>
+                    <a:solidFill>
+                      <a:schemeClr val="tx1"/>
+                    </a:solidFill>
+                  </a:tcPr>
+                </a:tc>
+                <a:tc>
+                  <a:txBody>
+                    <a:bodyPr/>
+                    <a:lstStyle/>
+                    <a:p>
+                      <a:pPr marL="0" marR="0" algn="ctr">
+                        <a:lnSpc>
+                          <a:spcPct val="107000"/>
+                        </a:lnSpc>
+                        <a:spcBef>
+                          <a:spcPts val="0"/>
+                        </a:spcBef>
+                        <a:spcAft>
+                          <a:spcPts val="800"/>
+                        </a:spcAft>
+                      </a:pPr>
+                      <a:r>
+                        <a:rPr lang="en-US" sz="2300" b="0" kern="100" cap="none" spc="0">
+                          <a:solidFill>
+                            <a:schemeClr val="bg1"/>
+                          </a:solidFill>
+                          <a:effectLst/>
+                        </a:rPr>
+                        <a:t>Final Metric</a:t>
+                      </a:r>
+                      <a:endParaRPr lang="en-US" sz="2300" b="0" kern="100" cap="none" spc="0">
+                        <a:solidFill>
+                          <a:schemeClr val="bg1"/>
+                        </a:solidFill>
+                        <a:effectLst/>
+                        <a:latin typeface="Aptos" panose="020B0004020202020204" pitchFamily="34" charset="0"/>
+                        <a:ea typeface="Aptos" panose="020B0004020202020204" pitchFamily="34" charset="0"/>
+                        <a:cs typeface="Arial" panose="020B0604020202020204" pitchFamily="34" charset="0"/>
+                      </a:endParaRPr>
+                    </a:p>
+                  </a:txBody>
+                  <a:tcPr marL="15692" marR="15692" marT="150645" marB="15692" anchor="ctr">
+                    <a:lnL w="12700" cmpd="sng">
+                      <a:noFill/>
+                    </a:lnL>
+                    <a:lnR w="12700" cmpd="sng">
+                      <a:noFill/>
+                    </a:lnR>
+                    <a:lnT w="19050" cap="flat" cmpd="sng" algn="ctr">
+                      <a:noFill/>
+                      <a:prstDash val="solid"/>
+                    </a:lnT>
+                    <a:lnB w="38100" cmpd="sng">
+                      <a:noFill/>
+                    </a:lnB>
+                    <a:solidFill>
+                      <a:schemeClr val="tx1"/>
+                    </a:solidFill>
+                  </a:tcPr>
+                </a:tc>
+                <a:tc>
+                  <a:txBody>
+                    <a:bodyPr/>
+                    <a:lstStyle/>
+                    <a:p>
+                      <a:pPr marL="0" marR="0" algn="ctr">
+                        <a:lnSpc>
+                          <a:spcPct val="107000"/>
+                        </a:lnSpc>
+                        <a:spcBef>
+                          <a:spcPts val="0"/>
+                        </a:spcBef>
+                        <a:spcAft>
+                          <a:spcPts val="800"/>
+                        </a:spcAft>
+                      </a:pPr>
+                      <a:r>
+                        <a:rPr lang="en-US" sz="2300" b="0" kern="100" cap="none" spc="0">
+                          <a:solidFill>
+                            <a:schemeClr val="bg1"/>
+                          </a:solidFill>
+                          <a:effectLst/>
+                        </a:rPr>
+                        <a:t>Training Time</a:t>
+                      </a:r>
+                      <a:endParaRPr lang="en-US" sz="2300" b="0" kern="100" cap="none" spc="0">
+                        <a:solidFill>
+                          <a:schemeClr val="bg1"/>
+                        </a:solidFill>
+                        <a:effectLst/>
+                        <a:latin typeface="Aptos" panose="020B0004020202020204" pitchFamily="34" charset="0"/>
+                        <a:ea typeface="Aptos" panose="020B0004020202020204" pitchFamily="34" charset="0"/>
+                        <a:cs typeface="Arial" panose="020B0604020202020204" pitchFamily="34" charset="0"/>
+                      </a:endParaRPr>
+                    </a:p>
+                  </a:txBody>
+                  <a:tcPr marL="15692" marR="15692" marT="150645" marB="15692" anchor="ctr">
+                    <a:lnL w="12700" cmpd="sng">
+                      <a:noFill/>
+                    </a:lnL>
+                    <a:lnR w="12700" cmpd="sng">
+                      <a:noFill/>
+                    </a:lnR>
+                    <a:lnT w="19050" cap="flat" cmpd="sng" algn="ctr">
+                      <a:noFill/>
+                      <a:prstDash val="solid"/>
+                    </a:lnT>
+                    <a:lnB w="38100" cmpd="sng">
+                      <a:noFill/>
+                    </a:lnB>
+                    <a:solidFill>
+                      <a:schemeClr val="tx1"/>
+                    </a:solidFill>
+                  </a:tcPr>
+                </a:tc>
+                <a:extLst>
+                  <a:ext uri="{0D108BD9-81ED-4DB2-BD59-A6C34878D82A}">
+                    <a16:rowId xmlns:a16="http://schemas.microsoft.com/office/drawing/2014/main" val="1346741998"/>
+                  </a:ext>
+                </a:extLst>
+              </a:tr>
+              <a:tr h="857633">
+                <a:tc>
+                  <a:txBody>
+                    <a:bodyPr/>
+                    <a:lstStyle/>
+                    <a:p>
+                      <a:pPr marL="0" marR="0" algn="ctr">
+                        <a:lnSpc>
+                          <a:spcPct val="107000"/>
+                        </a:lnSpc>
+                        <a:spcBef>
+                          <a:spcPts val="0"/>
+                        </a:spcBef>
+                        <a:spcAft>
+                          <a:spcPts val="800"/>
+                        </a:spcAft>
+                      </a:pPr>
+                      <a:r>
+                        <a:rPr lang="en-US" sz="2000" b="1" kern="100" cap="none" spc="0" dirty="0">
+                          <a:solidFill>
+                            <a:schemeClr val="tx1"/>
+                          </a:solidFill>
+                          <a:effectLst/>
+                        </a:rPr>
+                        <a:t>PyTorch ANN (Reg)</a:t>
+                      </a:r>
+                      <a:endParaRPr lang="en-US" sz="2000" b="1" kern="100" cap="none" spc="0" dirty="0">
+                        <a:solidFill>
+                          <a:schemeClr val="tx1"/>
+                        </a:solidFill>
+                        <a:effectLst/>
+                        <a:latin typeface="Aptos" panose="020B0004020202020204" pitchFamily="34" charset="0"/>
+                        <a:ea typeface="Aptos" panose="020B0004020202020204" pitchFamily="34" charset="0"/>
+                        <a:cs typeface="Arial" panose="020B0604020202020204" pitchFamily="34" charset="0"/>
+                      </a:endParaRPr>
+                    </a:p>
+                  </a:txBody>
+                  <a:tcPr marL="15692" marR="15692" marT="150645" marB="15692" anchor="ctr">
+                    <a:lnL w="12700" cmpd="sng">
+                      <a:noFill/>
+                      <a:prstDash val="solid"/>
+                    </a:lnL>
+                    <a:lnR w="12700" cmpd="sng">
+                      <a:noFill/>
+                      <a:prstDash val="solid"/>
+                    </a:lnR>
+                    <a:lnT w="38100" cmpd="sng">
+                      <a:noFill/>
+                    </a:lnT>
+                    <a:lnB w="12700" cap="flat" cmpd="sng" algn="ctr">
+                      <a:solidFill>
+                        <a:schemeClr val="bg1">
+                          <a:lumMod val="75000"/>
+                        </a:schemeClr>
+                      </a:solidFill>
+                      <a:prstDash val="solid"/>
+                    </a:lnB>
+                    <a:solidFill>
+                      <a:srgbClr val="F2F2F2">
+                        <a:alpha val="45098"/>
+                      </a:srgbClr>
+                    </a:solidFill>
+                  </a:tcPr>
+                </a:tc>
+                <a:tc>
+                  <a:txBody>
+                    <a:bodyPr/>
+                    <a:lstStyle/>
+                    <a:p>
+                      <a:pPr marL="0" marR="0" algn="ctr">
+                        <a:lnSpc>
+                          <a:spcPct val="107000"/>
+                        </a:lnSpc>
+                        <a:spcBef>
+                          <a:spcPts val="0"/>
+                        </a:spcBef>
+                        <a:spcAft>
+                          <a:spcPts val="800"/>
+                        </a:spcAft>
+                      </a:pPr>
+                      <a:r>
+                        <a:rPr lang="en-US" sz="2000" kern="100" cap="none" spc="0" dirty="0">
+                          <a:solidFill>
+                            <a:schemeClr val="tx1"/>
+                          </a:solidFill>
+                          <a:effectLst/>
+                        </a:rPr>
+                        <a:t>California Housing</a:t>
+                      </a:r>
+                      <a:endParaRPr lang="en-US" sz="2000" kern="100" cap="none" spc="0" dirty="0">
+                        <a:solidFill>
+                          <a:schemeClr val="tx1"/>
+                        </a:solidFill>
+                        <a:effectLst/>
+                        <a:latin typeface="Aptos" panose="020B0004020202020204" pitchFamily="34" charset="0"/>
+                        <a:ea typeface="Aptos" panose="020B0004020202020204" pitchFamily="34" charset="0"/>
+                        <a:cs typeface="Arial" panose="020B0604020202020204" pitchFamily="34" charset="0"/>
+                      </a:endParaRPr>
+                    </a:p>
+                  </a:txBody>
+                  <a:tcPr marL="15692" marR="15692" marT="150645" marB="15692" anchor="ctr">
+                    <a:lnL w="12700" cmpd="sng">
+                      <a:noFill/>
+                      <a:prstDash val="solid"/>
+                    </a:lnL>
+                    <a:lnR w="12700" cmpd="sng">
+                      <a:noFill/>
+                      <a:prstDash val="solid"/>
+                    </a:lnR>
+                    <a:lnT w="38100" cmpd="sng">
+                      <a:noFill/>
+                    </a:lnT>
+                    <a:lnB w="12700" cap="flat" cmpd="sng" algn="ctr">
+                      <a:solidFill>
+                        <a:schemeClr val="bg1">
+                          <a:lumMod val="75000"/>
+                        </a:schemeClr>
+                      </a:solidFill>
+                      <a:prstDash val="solid"/>
+                    </a:lnB>
+                    <a:solidFill>
+                      <a:srgbClr val="F2F2F2">
+                        <a:alpha val="45098"/>
+                      </a:srgbClr>
+                    </a:solidFill>
+                  </a:tcPr>
+                </a:tc>
+                <a:tc>
+                  <a:txBody>
+                    <a:bodyPr/>
+                    <a:lstStyle/>
+                    <a:p>
+                      <a:pPr marL="0" marR="0" algn="ctr">
+                        <a:lnSpc>
+                          <a:spcPct val="107000"/>
+                        </a:lnSpc>
+                        <a:spcBef>
+                          <a:spcPts val="0"/>
+                        </a:spcBef>
+                        <a:spcAft>
+                          <a:spcPts val="800"/>
+                        </a:spcAft>
+                      </a:pPr>
+                      <a:r>
+                        <a:rPr lang="en-US" sz="2000" kern="100" cap="none" spc="0" dirty="0">
+                          <a:solidFill>
+                            <a:schemeClr val="tx1"/>
+                          </a:solidFill>
+                          <a:effectLst/>
+                        </a:rPr>
+                        <a:t>LR=0.01, </a:t>
+                      </a:r>
+                      <a:r>
+                        <a:rPr lang="en-US" sz="2000" kern="100" cap="none" spc="0" dirty="0" err="1">
+                          <a:solidFill>
+                            <a:schemeClr val="tx1"/>
+                          </a:solidFill>
+                          <a:effectLst/>
+                        </a:rPr>
+                        <a:t>batch_size</a:t>
+                      </a:r>
+                      <a:r>
+                        <a:rPr lang="en-US" sz="2000" kern="100" cap="none" spc="0" dirty="0">
+                          <a:solidFill>
+                            <a:schemeClr val="tx1"/>
+                          </a:solidFill>
+                          <a:effectLst/>
+                        </a:rPr>
+                        <a:t> = 64, Epoch=100</a:t>
+                      </a:r>
+                      <a:endParaRPr lang="en-US" sz="2000" kern="100" cap="none" spc="0" dirty="0">
+                        <a:solidFill>
+                          <a:schemeClr val="tx1"/>
+                        </a:solidFill>
+                        <a:effectLst/>
+                        <a:latin typeface="Aptos" panose="020B0004020202020204" pitchFamily="34" charset="0"/>
+                        <a:ea typeface="Aptos" panose="020B0004020202020204" pitchFamily="34" charset="0"/>
+                        <a:cs typeface="Arial" panose="020B0604020202020204" pitchFamily="34" charset="0"/>
+                      </a:endParaRPr>
+                    </a:p>
+                  </a:txBody>
+                  <a:tcPr marL="15692" marR="15692" marT="150645" marB="15692" anchor="ctr">
+                    <a:lnL w="12700" cmpd="sng">
+                      <a:noFill/>
+                      <a:prstDash val="solid"/>
+                    </a:lnL>
+                    <a:lnR w="12700" cmpd="sng">
+                      <a:noFill/>
+                      <a:prstDash val="solid"/>
+                    </a:lnR>
+                    <a:lnT w="38100" cmpd="sng">
+                      <a:noFill/>
+                    </a:lnT>
+                    <a:lnB w="12700" cap="flat" cmpd="sng" algn="ctr">
+                      <a:solidFill>
+                        <a:schemeClr val="bg1">
+                          <a:lumMod val="75000"/>
+                        </a:schemeClr>
+                      </a:solidFill>
+                      <a:prstDash val="solid"/>
+                    </a:lnB>
+                    <a:solidFill>
+                      <a:srgbClr val="F2F2F2">
+                        <a:alpha val="45098"/>
+                      </a:srgbClr>
+                    </a:solidFill>
+                  </a:tcPr>
+                </a:tc>
+                <a:tc>
+                  <a:txBody>
+                    <a:bodyPr/>
+                    <a:lstStyle/>
+                    <a:p>
+                      <a:pPr marL="0" marR="0" algn="ctr">
+                        <a:lnSpc>
+                          <a:spcPct val="107000"/>
+                        </a:lnSpc>
+                        <a:spcBef>
+                          <a:spcPts val="0"/>
+                        </a:spcBef>
+                        <a:spcAft>
+                          <a:spcPts val="800"/>
+                        </a:spcAft>
+                      </a:pPr>
+                      <a:r>
+                        <a:rPr lang="en-US" sz="2000" kern="100" cap="none" spc="0" dirty="0">
+                          <a:solidFill>
+                            <a:schemeClr val="tx1"/>
+                          </a:solidFill>
+                          <a:effectLst/>
+                        </a:rPr>
+                        <a:t>MSE = 0.39, MAE = 0.44,    R</a:t>
+                      </a:r>
+                      <a:r>
+                        <a:rPr lang="en-US" sz="2000" kern="100" cap="none" spc="0" baseline="30000" dirty="0">
+                          <a:solidFill>
+                            <a:schemeClr val="tx1"/>
+                          </a:solidFill>
+                          <a:effectLst/>
+                        </a:rPr>
+                        <a:t>2 </a:t>
+                      </a:r>
+                      <a:r>
+                        <a:rPr lang="en-US" sz="2000" kern="100" cap="none" spc="0" baseline="0" dirty="0">
+                          <a:solidFill>
+                            <a:schemeClr val="tx1"/>
+                          </a:solidFill>
+                          <a:effectLst/>
+                        </a:rPr>
+                        <a:t>= 0.70</a:t>
+                      </a:r>
+                      <a:endParaRPr lang="en-US" sz="2000" kern="100" cap="none" spc="0" baseline="30000" dirty="0">
+                        <a:solidFill>
+                          <a:schemeClr val="tx1"/>
+                        </a:solidFill>
+                        <a:effectLst/>
+                        <a:latin typeface="Aptos" panose="020B0004020202020204" pitchFamily="34" charset="0"/>
+                        <a:ea typeface="Aptos" panose="020B0004020202020204" pitchFamily="34" charset="0"/>
+                        <a:cs typeface="Arial" panose="020B0604020202020204" pitchFamily="34" charset="0"/>
+                      </a:endParaRPr>
+                    </a:p>
+                  </a:txBody>
+                  <a:tcPr marL="15692" marR="15692" marT="150645" marB="15692" anchor="ctr">
+                    <a:lnL w="12700" cmpd="sng">
+                      <a:noFill/>
+                      <a:prstDash val="solid"/>
+                    </a:lnL>
+                    <a:lnR w="12700" cmpd="sng">
+                      <a:noFill/>
+                      <a:prstDash val="solid"/>
+                    </a:lnR>
+                    <a:lnT w="38100" cmpd="sng">
+                      <a:noFill/>
+                    </a:lnT>
+                    <a:lnB w="12700" cap="flat" cmpd="sng" algn="ctr">
+                      <a:solidFill>
+                        <a:schemeClr val="bg1">
+                          <a:lumMod val="75000"/>
+                        </a:schemeClr>
+                      </a:solidFill>
+                      <a:prstDash val="solid"/>
+                    </a:lnB>
+                    <a:solidFill>
+                      <a:srgbClr val="F2F2F2">
+                        <a:alpha val="45098"/>
+                      </a:srgbClr>
+                    </a:solidFill>
+                  </a:tcPr>
+                </a:tc>
+                <a:tc>
+                  <a:txBody>
+                    <a:bodyPr/>
+                    <a:lstStyle/>
+                    <a:p>
+                      <a:pPr marL="0" marR="0" algn="ctr">
+                        <a:lnSpc>
+                          <a:spcPct val="107000"/>
+                        </a:lnSpc>
+                        <a:spcBef>
+                          <a:spcPts val="0"/>
+                        </a:spcBef>
+                        <a:spcAft>
+                          <a:spcPts val="800"/>
+                        </a:spcAft>
+                      </a:pPr>
+                      <a:r>
+                        <a:rPr lang="en-US" sz="2000" kern="100" cap="none" spc="0" dirty="0">
+                          <a:solidFill>
+                            <a:schemeClr val="tx1"/>
+                          </a:solidFill>
+                          <a:effectLst/>
+                        </a:rPr>
+                        <a:t>~0.5 min </a:t>
+                      </a:r>
+                      <a:endParaRPr lang="en-US" sz="2000" kern="100" cap="none" spc="0" dirty="0">
+                        <a:solidFill>
+                          <a:schemeClr val="tx1"/>
+                        </a:solidFill>
+                        <a:effectLst/>
+                        <a:latin typeface="Aptos" panose="020B0004020202020204" pitchFamily="34" charset="0"/>
+                        <a:ea typeface="Aptos" panose="020B0004020202020204" pitchFamily="34" charset="0"/>
+                        <a:cs typeface="Arial" panose="020B0604020202020204" pitchFamily="34" charset="0"/>
+                      </a:endParaRPr>
+                    </a:p>
+                  </a:txBody>
+                  <a:tcPr marL="15692" marR="15692" marT="150645" marB="15692" anchor="ctr">
+                    <a:lnL w="12700" cmpd="sng">
+                      <a:noFill/>
+                      <a:prstDash val="solid"/>
+                    </a:lnL>
+                    <a:lnR w="12700" cmpd="sng">
+                      <a:noFill/>
+                      <a:prstDash val="solid"/>
+                    </a:lnR>
+                    <a:lnT w="38100" cmpd="sng">
+                      <a:noFill/>
+                    </a:lnT>
+                    <a:lnB w="12700" cap="flat" cmpd="sng" algn="ctr">
+                      <a:solidFill>
+                        <a:schemeClr val="bg1">
+                          <a:lumMod val="75000"/>
+                        </a:schemeClr>
+                      </a:solidFill>
+                      <a:prstDash val="solid"/>
+                    </a:lnB>
+                    <a:solidFill>
+                      <a:srgbClr val="F2F2F2">
+                        <a:alpha val="45098"/>
+                      </a:srgbClr>
+                    </a:solidFill>
+                  </a:tcPr>
+                </a:tc>
+                <a:extLst>
+                  <a:ext uri="{0D108BD9-81ED-4DB2-BD59-A6C34878D82A}">
+                    <a16:rowId xmlns:a16="http://schemas.microsoft.com/office/drawing/2014/main" val="981103750"/>
+                  </a:ext>
+                </a:extLst>
+              </a:tr>
+              <a:tr h="857633">
+                <a:tc>
+                  <a:txBody>
+                    <a:bodyPr/>
+                    <a:lstStyle/>
+                    <a:p>
+                      <a:pPr marL="0" marR="0" algn="ctr">
+                        <a:lnSpc>
+                          <a:spcPct val="107000"/>
+                        </a:lnSpc>
+                        <a:spcBef>
+                          <a:spcPts val="0"/>
+                        </a:spcBef>
+                        <a:spcAft>
+                          <a:spcPts val="800"/>
+                        </a:spcAft>
+                      </a:pPr>
+                      <a:r>
+                        <a:rPr lang="en-US" sz="2000" b="1" kern="100" cap="none" spc="0" dirty="0">
+                          <a:solidFill>
+                            <a:schemeClr val="tx1"/>
+                          </a:solidFill>
+                          <a:effectLst/>
+                        </a:rPr>
+                        <a:t>PyTorch ANN (Class)</a:t>
+                      </a:r>
+                      <a:endParaRPr lang="en-US" sz="2000" b="1" kern="100" cap="none" spc="0" dirty="0">
+                        <a:solidFill>
+                          <a:schemeClr val="tx1"/>
+                        </a:solidFill>
+                        <a:effectLst/>
+                        <a:latin typeface="Aptos" panose="020B0004020202020204" pitchFamily="34" charset="0"/>
+                        <a:ea typeface="Aptos" panose="020B0004020202020204" pitchFamily="34" charset="0"/>
+                        <a:cs typeface="Arial" panose="020B0604020202020204" pitchFamily="34" charset="0"/>
+                      </a:endParaRPr>
+                    </a:p>
+                  </a:txBody>
+                  <a:tcPr marL="15692" marR="15692" marT="150645" marB="15692" anchor="ctr">
+                    <a:lnL w="12700" cmpd="sng">
+                      <a:noFill/>
+                      <a:prstDash val="solid"/>
+                    </a:lnL>
+                    <a:lnR w="12700" cmpd="sng">
+                      <a:noFill/>
+                      <a:prstDash val="solid"/>
+                    </a:lnR>
+                    <a:lnT w="12700" cap="flat" cmpd="sng" algn="ctr">
+                      <a:solidFill>
+                        <a:schemeClr val="bg1">
+                          <a:lumMod val="75000"/>
+                        </a:schemeClr>
+                      </a:solidFill>
+                      <a:prstDash val="solid"/>
+                    </a:lnT>
+                    <a:lnB w="12700" cmpd="sng">
+                      <a:noFill/>
+                      <a:prstDash val="solid"/>
+                    </a:lnB>
+                    <a:solidFill>
+                      <a:srgbClr val="BFBFBF">
+                        <a:alpha val="34902"/>
+                      </a:srgbClr>
+                    </a:solidFill>
+                  </a:tcPr>
+                </a:tc>
+                <a:tc>
+                  <a:txBody>
+                    <a:bodyPr/>
+                    <a:lstStyle/>
+                    <a:p>
+                      <a:pPr marL="0" marR="0" algn="ctr">
+                        <a:lnSpc>
+                          <a:spcPct val="107000"/>
+                        </a:lnSpc>
+                        <a:spcBef>
+                          <a:spcPts val="0"/>
+                        </a:spcBef>
+                        <a:spcAft>
+                          <a:spcPts val="800"/>
+                        </a:spcAft>
+                      </a:pPr>
+                      <a:r>
+                        <a:rPr lang="en-US" sz="2000" kern="100" cap="none" spc="0" dirty="0">
+                          <a:solidFill>
+                            <a:schemeClr val="tx1"/>
+                          </a:solidFill>
+                          <a:effectLst/>
+                          <a:latin typeface="Aptos" panose="020B0004020202020204" pitchFamily="34" charset="0"/>
+                          <a:ea typeface="Aptos" panose="020B0004020202020204" pitchFamily="34" charset="0"/>
+                          <a:cs typeface="Arial" panose="020B0604020202020204" pitchFamily="34" charset="0"/>
+                        </a:rPr>
+                        <a:t>MNIST</a:t>
+                      </a:r>
+                    </a:p>
+                  </a:txBody>
+                  <a:tcPr marL="15692" marR="15692" marT="150645" marB="15692" anchor="ctr">
+                    <a:lnL w="12700" cmpd="sng">
+                      <a:noFill/>
+                      <a:prstDash val="solid"/>
+                    </a:lnL>
+                    <a:lnR w="12700" cmpd="sng">
+                      <a:noFill/>
+                      <a:prstDash val="solid"/>
+                    </a:lnR>
+                    <a:lnT w="12700" cap="flat" cmpd="sng" algn="ctr">
+                      <a:solidFill>
+                        <a:schemeClr val="bg1">
+                          <a:lumMod val="75000"/>
+                        </a:schemeClr>
+                      </a:solidFill>
+                      <a:prstDash val="solid"/>
+                    </a:lnT>
+                    <a:lnB w="12700" cmpd="sng">
+                      <a:noFill/>
+                      <a:prstDash val="solid"/>
+                    </a:lnB>
+                    <a:solidFill>
+                      <a:srgbClr val="BFBFBF">
+                        <a:alpha val="34902"/>
+                      </a:srgbClr>
+                    </a:solidFill>
+                  </a:tcPr>
+                </a:tc>
+                <a:tc>
+                  <a:txBody>
+                    <a:bodyPr/>
+                    <a:lstStyle/>
+                    <a:p>
+                      <a:pPr marL="0" marR="0" lvl="0" indent="0" algn="ctr" defTabSz="914400" rtl="0" eaLnBrk="1" fontAlgn="auto" latinLnBrk="0" hangingPunct="1">
+                        <a:lnSpc>
+                          <a:spcPct val="107000"/>
+                        </a:lnSpc>
+                        <a:spcBef>
+                          <a:spcPts val="0"/>
+                        </a:spcBef>
+                        <a:spcAft>
+                          <a:spcPts val="800"/>
+                        </a:spcAft>
+                        <a:buClrTx/>
+                        <a:buSzTx/>
+                        <a:buFontTx/>
+                        <a:buNone/>
+                        <a:tabLst/>
+                        <a:defRPr/>
+                      </a:pPr>
+                      <a:r>
+                        <a:rPr lang="en-US" sz="2000" kern="100" cap="none" spc="0" dirty="0">
+                          <a:solidFill>
+                            <a:schemeClr val="tx1"/>
+                          </a:solidFill>
+                          <a:effectLst/>
+                        </a:rPr>
+                        <a:t>LR=0.01, Epoch=20,     </a:t>
+                      </a:r>
+                      <a:r>
+                        <a:rPr lang="en-US" sz="2000" b="0" kern="1200" cap="none" spc="0" dirty="0">
+                          <a:solidFill>
+                            <a:schemeClr val="dk1"/>
+                          </a:solidFill>
+                          <a:effectLst/>
+                          <a:latin typeface="+mn-lt"/>
+                          <a:ea typeface="+mn-ea"/>
+                          <a:cs typeface="+mn-cs"/>
+                        </a:rPr>
+                        <a:t>B</a:t>
+                      </a:r>
+                      <a:r>
+                        <a:rPr lang="en-US" sz="2000" b="0" kern="1200" dirty="0">
+                          <a:solidFill>
+                            <a:schemeClr val="dk1"/>
+                          </a:solidFill>
+                          <a:effectLst/>
+                          <a:latin typeface="+mn-lt"/>
+                          <a:ea typeface="+mn-ea"/>
+                          <a:cs typeface="+mn-cs"/>
+                        </a:rPr>
+                        <a:t>atch Size = 50</a:t>
+                      </a:r>
+                    </a:p>
+                  </a:txBody>
+                  <a:tcPr marL="15692" marR="15692" marT="150645" marB="15692" anchor="ctr">
+                    <a:lnL w="12700" cmpd="sng">
+                      <a:noFill/>
+                      <a:prstDash val="solid"/>
+                    </a:lnL>
+                    <a:lnR w="12700" cmpd="sng">
+                      <a:noFill/>
+                      <a:prstDash val="solid"/>
+                    </a:lnR>
+                    <a:lnT w="12700" cap="flat" cmpd="sng" algn="ctr">
+                      <a:solidFill>
+                        <a:schemeClr val="bg1">
+                          <a:lumMod val="75000"/>
+                        </a:schemeClr>
+                      </a:solidFill>
+                      <a:prstDash val="solid"/>
+                    </a:lnT>
+                    <a:lnB w="12700" cmpd="sng">
+                      <a:noFill/>
+                      <a:prstDash val="solid"/>
+                    </a:lnB>
+                    <a:solidFill>
+                      <a:srgbClr val="BFBFBF">
+                        <a:alpha val="34902"/>
+                      </a:srgbClr>
+                    </a:solidFill>
+                  </a:tcPr>
+                </a:tc>
+                <a:tc>
+                  <a:txBody>
+                    <a:bodyPr/>
+                    <a:lstStyle/>
+                    <a:p>
+                      <a:pPr marL="0" marR="0" algn="ctr">
+                        <a:lnSpc>
+                          <a:spcPct val="107000"/>
+                        </a:lnSpc>
+                        <a:spcBef>
+                          <a:spcPts val="0"/>
+                        </a:spcBef>
+                        <a:spcAft>
+                          <a:spcPts val="800"/>
+                        </a:spcAft>
+                      </a:pPr>
+                      <a:r>
+                        <a:rPr lang="en-US" sz="2000" kern="100" cap="none" spc="0" dirty="0">
+                          <a:solidFill>
+                            <a:schemeClr val="tx1"/>
+                          </a:solidFill>
+                          <a:effectLst/>
+                        </a:rPr>
+                        <a:t>Accuracy = 97.17%</a:t>
+                      </a:r>
+                      <a:endParaRPr lang="en-US" sz="2000" kern="100" cap="none" spc="0" dirty="0">
+                        <a:solidFill>
+                          <a:schemeClr val="tx1"/>
+                        </a:solidFill>
+                        <a:effectLst/>
+                        <a:latin typeface="Aptos" panose="020B0004020202020204" pitchFamily="34" charset="0"/>
+                        <a:ea typeface="Aptos" panose="020B0004020202020204" pitchFamily="34" charset="0"/>
+                        <a:cs typeface="Arial" panose="020B0604020202020204" pitchFamily="34" charset="0"/>
+                      </a:endParaRPr>
+                    </a:p>
+                  </a:txBody>
+                  <a:tcPr marL="15692" marR="15692" marT="150645" marB="15692" anchor="ctr">
+                    <a:lnL w="12700" cmpd="sng">
+                      <a:noFill/>
+                      <a:prstDash val="solid"/>
+                    </a:lnL>
+                    <a:lnR w="12700" cmpd="sng">
+                      <a:noFill/>
+                      <a:prstDash val="solid"/>
+                    </a:lnR>
+                    <a:lnT w="12700" cap="flat" cmpd="sng" algn="ctr">
+                      <a:solidFill>
+                        <a:schemeClr val="bg1">
+                          <a:lumMod val="75000"/>
+                        </a:schemeClr>
+                      </a:solidFill>
+                      <a:prstDash val="solid"/>
+                    </a:lnT>
+                    <a:lnB w="12700" cmpd="sng">
+                      <a:noFill/>
+                      <a:prstDash val="solid"/>
+                    </a:lnB>
+                    <a:solidFill>
+                      <a:srgbClr val="BFBFBF">
+                        <a:alpha val="34902"/>
+                      </a:srgbClr>
+                    </a:solidFill>
+                  </a:tcPr>
+                </a:tc>
+                <a:tc>
+                  <a:txBody>
+                    <a:bodyPr/>
+                    <a:lstStyle/>
+                    <a:p>
+                      <a:pPr marL="0" marR="0" algn="ctr">
+                        <a:lnSpc>
+                          <a:spcPct val="107000"/>
+                        </a:lnSpc>
+                        <a:spcBef>
+                          <a:spcPts val="0"/>
+                        </a:spcBef>
+                        <a:spcAft>
+                          <a:spcPts val="800"/>
+                        </a:spcAft>
+                      </a:pPr>
+                      <a:r>
+                        <a:rPr lang="en-US" sz="2000" kern="100" cap="none" spc="0" dirty="0">
+                          <a:solidFill>
+                            <a:schemeClr val="tx1"/>
+                          </a:solidFill>
+                          <a:effectLst/>
+                        </a:rPr>
+                        <a:t>~1 Min </a:t>
+                      </a:r>
+                      <a:endParaRPr lang="en-US" sz="2000" kern="100" cap="none" spc="0" dirty="0">
+                        <a:solidFill>
+                          <a:schemeClr val="tx1"/>
+                        </a:solidFill>
+                        <a:effectLst/>
+                        <a:latin typeface="Aptos" panose="020B0004020202020204" pitchFamily="34" charset="0"/>
+                        <a:ea typeface="Aptos" panose="020B0004020202020204" pitchFamily="34" charset="0"/>
+                        <a:cs typeface="Arial" panose="020B0604020202020204" pitchFamily="34" charset="0"/>
+                      </a:endParaRPr>
+                    </a:p>
+                  </a:txBody>
+                  <a:tcPr marL="15692" marR="15692" marT="150645" marB="15692" anchor="ctr">
+                    <a:lnL w="12700" cmpd="sng">
+                      <a:noFill/>
+                      <a:prstDash val="solid"/>
+                    </a:lnL>
+                    <a:lnR w="12700" cmpd="sng">
+                      <a:noFill/>
+                      <a:prstDash val="solid"/>
+                    </a:lnR>
+                    <a:lnT w="12700" cap="flat" cmpd="sng" algn="ctr">
+                      <a:solidFill>
+                        <a:schemeClr val="bg1">
+                          <a:lumMod val="75000"/>
+                        </a:schemeClr>
+                      </a:solidFill>
+                      <a:prstDash val="solid"/>
+                    </a:lnT>
+                    <a:lnB w="12700" cmpd="sng">
+                      <a:noFill/>
+                      <a:prstDash val="solid"/>
+                    </a:lnB>
+                    <a:solidFill>
+                      <a:srgbClr val="BFBFBF">
+                        <a:alpha val="34902"/>
+                      </a:srgbClr>
+                    </a:solidFill>
+                  </a:tcPr>
+                </a:tc>
+                <a:extLst>
+                  <a:ext uri="{0D108BD9-81ED-4DB2-BD59-A6C34878D82A}">
+                    <a16:rowId xmlns:a16="http://schemas.microsoft.com/office/drawing/2014/main" val="2519841333"/>
+                  </a:ext>
+                </a:extLst>
+              </a:tr>
+              <a:tr h="857633">
+                <a:tc>
+                  <a:txBody>
+                    <a:bodyPr/>
+                    <a:lstStyle/>
+                    <a:p>
+                      <a:pPr marL="0" marR="0" algn="ctr">
+                        <a:lnSpc>
+                          <a:spcPct val="107000"/>
+                        </a:lnSpc>
+                        <a:spcBef>
+                          <a:spcPts val="0"/>
+                        </a:spcBef>
+                        <a:spcAft>
+                          <a:spcPts val="800"/>
+                        </a:spcAft>
+                      </a:pPr>
+                      <a:r>
+                        <a:rPr lang="en-US" sz="2000" b="1" kern="100" cap="none" spc="0" dirty="0" err="1">
+                          <a:solidFill>
+                            <a:schemeClr val="tx1"/>
+                          </a:solidFill>
+                          <a:effectLst/>
+                        </a:rPr>
+                        <a:t>Keras</a:t>
+                      </a:r>
+                      <a:r>
+                        <a:rPr lang="en-US" sz="2000" b="1" kern="100" cap="none" spc="0" dirty="0">
+                          <a:solidFill>
+                            <a:schemeClr val="tx1"/>
+                          </a:solidFill>
+                          <a:effectLst/>
+                        </a:rPr>
+                        <a:t> CNN (Class)</a:t>
+                      </a:r>
+                      <a:endParaRPr lang="en-US" sz="2000" b="1" kern="100" cap="none" spc="0" dirty="0">
+                        <a:solidFill>
+                          <a:schemeClr val="tx1"/>
+                        </a:solidFill>
+                        <a:effectLst/>
+                        <a:latin typeface="Aptos" panose="020B0004020202020204" pitchFamily="34" charset="0"/>
+                        <a:ea typeface="Aptos" panose="020B0004020202020204" pitchFamily="34" charset="0"/>
+                        <a:cs typeface="Arial" panose="020B0604020202020204" pitchFamily="34" charset="0"/>
+                      </a:endParaRPr>
+                    </a:p>
+                  </a:txBody>
+                  <a:tcPr marL="15692" marR="15692" marT="150645" marB="15692" anchor="ctr">
+                    <a:lnL w="12700" cmpd="sng">
+                      <a:noFill/>
+                      <a:prstDash val="solid"/>
+                    </a:lnL>
+                    <a:lnR w="12700" cmpd="sng">
+                      <a:noFill/>
+                      <a:prstDash val="solid"/>
+                    </a:lnR>
+                    <a:lnT w="12700" cmpd="sng">
+                      <a:noFill/>
+                      <a:prstDash val="solid"/>
+                    </a:lnT>
+                    <a:lnB w="12700" cmpd="sng">
+                      <a:noFill/>
+                      <a:prstDash val="solid"/>
+                    </a:lnB>
+                    <a:solidFill>
+                      <a:srgbClr val="F2F2F2">
+                        <a:alpha val="45098"/>
+                      </a:srgbClr>
+                    </a:solidFill>
+                  </a:tcPr>
+                </a:tc>
+                <a:tc>
+                  <a:txBody>
+                    <a:bodyPr/>
+                    <a:lstStyle/>
+                    <a:p>
+                      <a:pPr marL="0" marR="0" algn="ctr">
+                        <a:lnSpc>
+                          <a:spcPct val="107000"/>
+                        </a:lnSpc>
+                        <a:spcBef>
+                          <a:spcPts val="0"/>
+                        </a:spcBef>
+                        <a:spcAft>
+                          <a:spcPts val="800"/>
+                        </a:spcAft>
+                      </a:pPr>
+                      <a:r>
+                        <a:rPr lang="en-US" sz="2000" kern="100" cap="none" spc="0" dirty="0">
+                          <a:solidFill>
+                            <a:schemeClr val="tx1"/>
+                          </a:solidFill>
+                          <a:effectLst/>
+                          <a:latin typeface="Aptos" panose="020B0004020202020204" pitchFamily="34" charset="0"/>
+                          <a:ea typeface="Aptos" panose="020B0004020202020204" pitchFamily="34" charset="0"/>
+                          <a:cs typeface="Arial" panose="020B0604020202020204" pitchFamily="34" charset="0"/>
+                        </a:rPr>
+                        <a:t>ASL</a:t>
+                      </a:r>
+                    </a:p>
+                  </a:txBody>
+                  <a:tcPr marL="15692" marR="15692" marT="150645" marB="15692" anchor="ctr">
+                    <a:lnL w="12700" cmpd="sng">
+                      <a:noFill/>
+                      <a:prstDash val="solid"/>
+                    </a:lnL>
+                    <a:lnR w="12700" cmpd="sng">
+                      <a:noFill/>
+                      <a:prstDash val="solid"/>
+                    </a:lnR>
+                    <a:lnT w="12700" cmpd="sng">
+                      <a:noFill/>
+                      <a:prstDash val="solid"/>
+                    </a:lnT>
+                    <a:lnB w="12700" cmpd="sng">
+                      <a:noFill/>
+                      <a:prstDash val="solid"/>
+                    </a:lnB>
+                    <a:solidFill>
+                      <a:srgbClr val="F2F2F2">
+                        <a:alpha val="45098"/>
+                      </a:srgbClr>
+                    </a:solidFill>
+                  </a:tcPr>
+                </a:tc>
+                <a:tc>
+                  <a:txBody>
+                    <a:bodyPr/>
+                    <a:lstStyle/>
+                    <a:p>
+                      <a:pPr marL="0" marR="0" algn="ctr">
+                        <a:lnSpc>
+                          <a:spcPct val="107000"/>
+                        </a:lnSpc>
+                        <a:spcBef>
+                          <a:spcPts val="0"/>
+                        </a:spcBef>
+                        <a:spcAft>
+                          <a:spcPts val="800"/>
+                        </a:spcAft>
+                      </a:pPr>
+                      <a:r>
+                        <a:rPr lang="en-US" sz="2000" kern="100" cap="none" spc="0" dirty="0">
+                          <a:solidFill>
+                            <a:schemeClr val="tx1"/>
+                          </a:solidFill>
+                          <a:effectLst/>
+                        </a:rPr>
+                        <a:t>LR=0.0001, Epoch=20</a:t>
+                      </a:r>
+                      <a:endParaRPr lang="en-US" sz="2000" kern="100" cap="none" spc="0" dirty="0">
+                        <a:solidFill>
+                          <a:schemeClr val="tx1"/>
+                        </a:solidFill>
+                        <a:effectLst/>
+                        <a:latin typeface="Aptos" panose="020B0004020202020204" pitchFamily="34" charset="0"/>
+                        <a:ea typeface="Aptos" panose="020B0004020202020204" pitchFamily="34" charset="0"/>
+                        <a:cs typeface="Arial" panose="020B0604020202020204" pitchFamily="34" charset="0"/>
+                      </a:endParaRPr>
+                    </a:p>
+                  </a:txBody>
+                  <a:tcPr marL="15692" marR="15692" marT="150645" marB="15692" anchor="ctr">
+                    <a:lnL w="12700" cmpd="sng">
+                      <a:noFill/>
+                      <a:prstDash val="solid"/>
+                    </a:lnL>
+                    <a:lnR w="12700" cmpd="sng">
+                      <a:noFill/>
+                      <a:prstDash val="solid"/>
+                    </a:lnR>
+                    <a:lnT w="12700" cmpd="sng">
+                      <a:noFill/>
+                      <a:prstDash val="solid"/>
+                    </a:lnT>
+                    <a:lnB w="12700" cmpd="sng">
+                      <a:noFill/>
+                      <a:prstDash val="solid"/>
+                    </a:lnB>
+                    <a:solidFill>
+                      <a:srgbClr val="F2F2F2">
+                        <a:alpha val="45098"/>
+                      </a:srgbClr>
+                    </a:solidFill>
+                  </a:tcPr>
+                </a:tc>
+                <a:tc>
+                  <a:txBody>
+                    <a:bodyPr/>
+                    <a:lstStyle/>
+                    <a:p>
+                      <a:pPr marL="0" marR="0" algn="ctr">
+                        <a:lnSpc>
+                          <a:spcPct val="107000"/>
+                        </a:lnSpc>
+                        <a:spcBef>
+                          <a:spcPts val="0"/>
+                        </a:spcBef>
+                        <a:spcAft>
+                          <a:spcPts val="800"/>
+                        </a:spcAft>
+                      </a:pPr>
+                      <a:r>
+                        <a:rPr lang="en-US" sz="2000" kern="100" cap="none" spc="0">
+                          <a:solidFill>
+                            <a:schemeClr val="tx1"/>
+                          </a:solidFill>
+                          <a:effectLst/>
+                        </a:rPr>
+                        <a:t>Accuracy = 88.7%</a:t>
+                      </a:r>
+                      <a:endParaRPr lang="en-US" sz="2000" kern="100" cap="none" spc="0">
+                        <a:solidFill>
+                          <a:schemeClr val="tx1"/>
+                        </a:solidFill>
+                        <a:effectLst/>
+                        <a:latin typeface="Aptos" panose="020B0004020202020204" pitchFamily="34" charset="0"/>
+                        <a:ea typeface="Aptos" panose="020B0004020202020204" pitchFamily="34" charset="0"/>
+                        <a:cs typeface="Arial" panose="020B0604020202020204" pitchFamily="34" charset="0"/>
+                      </a:endParaRPr>
+                    </a:p>
+                  </a:txBody>
+                  <a:tcPr marL="15692" marR="15692" marT="150645" marB="15692" anchor="ctr">
+                    <a:lnL w="12700" cmpd="sng">
+                      <a:noFill/>
+                      <a:prstDash val="solid"/>
+                    </a:lnL>
+                    <a:lnR w="12700" cmpd="sng">
+                      <a:noFill/>
+                      <a:prstDash val="solid"/>
+                    </a:lnR>
+                    <a:lnT w="12700" cmpd="sng">
+                      <a:noFill/>
+                      <a:prstDash val="solid"/>
+                    </a:lnT>
+                    <a:lnB w="12700" cmpd="sng">
+                      <a:noFill/>
+                      <a:prstDash val="solid"/>
+                    </a:lnB>
+                    <a:solidFill>
+                      <a:srgbClr val="F2F2F2">
+                        <a:alpha val="45098"/>
+                      </a:srgbClr>
+                    </a:solidFill>
+                  </a:tcPr>
+                </a:tc>
+                <a:tc>
+                  <a:txBody>
+                    <a:bodyPr/>
+                    <a:lstStyle/>
+                    <a:p>
+                      <a:pPr marL="0" marR="0" algn="ctr">
+                        <a:lnSpc>
+                          <a:spcPct val="107000"/>
+                        </a:lnSpc>
+                        <a:spcBef>
+                          <a:spcPts val="0"/>
+                        </a:spcBef>
+                        <a:spcAft>
+                          <a:spcPts val="800"/>
+                        </a:spcAft>
+                      </a:pPr>
+                      <a:r>
+                        <a:rPr lang="en-US" sz="2000" kern="100" cap="none" spc="0" dirty="0">
+                          <a:solidFill>
+                            <a:schemeClr val="tx1"/>
+                          </a:solidFill>
+                          <a:effectLst/>
+                        </a:rPr>
+                        <a:t>~8 min </a:t>
+                      </a:r>
+                      <a:endParaRPr lang="en-US" sz="2000" kern="100" cap="none" spc="0" dirty="0">
+                        <a:solidFill>
+                          <a:schemeClr val="tx1"/>
+                        </a:solidFill>
+                        <a:effectLst/>
+                        <a:latin typeface="Aptos" panose="020B0004020202020204" pitchFamily="34" charset="0"/>
+                        <a:ea typeface="Aptos" panose="020B0004020202020204" pitchFamily="34" charset="0"/>
+                        <a:cs typeface="Arial" panose="020B0604020202020204" pitchFamily="34" charset="0"/>
+                      </a:endParaRPr>
+                    </a:p>
+                  </a:txBody>
+                  <a:tcPr marL="15692" marR="15692" marT="150645" marB="15692" anchor="ctr">
+                    <a:lnL w="12700" cmpd="sng">
+                      <a:noFill/>
+                      <a:prstDash val="solid"/>
+                    </a:lnL>
+                    <a:lnR w="12700" cmpd="sng">
+                      <a:noFill/>
+                      <a:prstDash val="solid"/>
+                    </a:lnR>
+                    <a:lnT w="12700" cmpd="sng">
+                      <a:noFill/>
+                      <a:prstDash val="solid"/>
+                    </a:lnT>
+                    <a:lnB w="12700" cmpd="sng">
+                      <a:noFill/>
+                      <a:prstDash val="solid"/>
+                    </a:lnB>
+                    <a:solidFill>
+                      <a:srgbClr val="F2F2F2">
+                        <a:alpha val="45098"/>
+                      </a:srgbClr>
+                    </a:solidFill>
+                  </a:tcPr>
+                </a:tc>
+                <a:extLst>
+                  <a:ext uri="{0D108BD9-81ED-4DB2-BD59-A6C34878D82A}">
+                    <a16:rowId xmlns:a16="http://schemas.microsoft.com/office/drawing/2014/main" val="1074205752"/>
+                  </a:ext>
+                </a:extLst>
+              </a:tr>
+            </a:tbl>
+          </a:graphicData>
+        </a:graphic>
+      </p:graphicFrame>
+    </p:spTree>
+    <p:extLst>
+      <p:ext uri="{BB962C8B-B14F-4D97-AF65-F5344CB8AC3E}">
+        <p14:creationId xmlns:p14="http://schemas.microsoft.com/office/powerpoint/2010/main" val="783109878"/>
+      </p:ext>
+    </p:extLst>
+  </p:cSld>
+  <p:clrMapOvr>
+    <a:masterClrMapping/>
+  </p:clrMapOvr>
+</p:sld>
+</file>
+
+<file path=ppt/slides/slide6.xml><?xml version="1.0" encoding="utf-8"?>
 <p:sld xmlns:a="http://schemas.openxmlformats.org/drawingml/2006/main" xmlns:r="http://schemas.openxmlformats.org/officeDocument/2006/relationships" xmlns:p="http://schemas.openxmlformats.org/presentationml/2006/main">
   <p:cSld name="Slide 5">
     <p:spTree>
@@ -3300,7 +5248,7 @@
           <a:bodyPr wrap="square" lIns="0" tIns="0" rIns="0" bIns="0" rtlCol="0" anchor="t"/>
           <a:lstStyle/>
           <a:p>
-            <a:pPr indent="0" marL="0">
+            <a:pPr marL="0" indent="0">
               <a:lnSpc>
                 <a:spcPts val="5400"/>
               </a:lnSpc>
@@ -3347,6 +5295,13 @@
             <a:prstDash val="solid"/>
           </a:ln>
         </p:spPr>
+        <p:txBody>
+          <a:bodyPr/>
+          <a:lstStyle/>
+          <a:p>
+            <a:endParaRPr lang="en-US"/>
+          </a:p>
+        </p:txBody>
       </p:sp>
       <p:sp>
         <p:nvSpPr>
@@ -3369,7 +5324,7 @@
           <a:bodyPr wrap="none" lIns="0" tIns="0" rIns="0" bIns="0" rtlCol="0" anchor="t"/>
           <a:lstStyle/>
           <a:p>
-            <a:pPr indent="0" marL="0">
+            <a:pPr marL="0" indent="0">
               <a:lnSpc>
                 <a:spcPts val="2700"/>
               </a:lnSpc>
@@ -3411,7 +5366,7 @@
           <a:bodyPr wrap="square" lIns="0" tIns="0" rIns="0" bIns="0" rtlCol="0" anchor="t"/>
           <a:lstStyle/>
           <a:p>
-            <a:pPr indent="0" marL="0">
+            <a:pPr marL="0" indent="0">
               <a:lnSpc>
                 <a:spcPts val="2750"/>
               </a:lnSpc>
@@ -3426,7 +5381,7 @@
                 <a:ea typeface="Roboto Light" pitchFamily="34" charset="-122"/>
                 <a:cs typeface="Roboto Light" pitchFamily="34" charset="-120"/>
               </a:rPr>
-              <a:t>The PyTorch ANN achieved an accuracy of 98.1% on the MNIST dataset, demonstrating its effectiveness in recognizing handwritten digits. This model was trained for 20 epochs with a learning rate of 0.001 and a batch size of 64.</a:t>
+              <a:t>The PyTorch ANN achieved an accuracy of 97.17% on the MNIST dataset, demonstrating its effectiveness in recognizing handwritten digits. This model was trained for 20 epochs with a learning rate of 0.01 and a batch size of 620.</a:t>
             </a:r>
             <a:endParaRPr lang="en-US" sz="1700" dirty="0"/>
           </a:p>
@@ -3458,6 +5413,13 @@
             <a:prstDash val="solid"/>
           </a:ln>
         </p:spPr>
+        <p:txBody>
+          <a:bodyPr/>
+          <a:lstStyle/>
+          <a:p>
+            <a:endParaRPr lang="en-US"/>
+          </a:p>
+        </p:txBody>
       </p:sp>
       <p:sp>
         <p:nvSpPr>
@@ -3480,7 +5442,7 @@
           <a:bodyPr wrap="square" lIns="0" tIns="0" rIns="0" bIns="0" rtlCol="0" anchor="t"/>
           <a:lstStyle/>
           <a:p>
-            <a:pPr indent="0" marL="0">
+            <a:pPr marL="0" indent="0">
               <a:lnSpc>
                 <a:spcPts val="2700"/>
               </a:lnSpc>
@@ -3522,7 +5484,7 @@
           <a:bodyPr wrap="square" lIns="0" tIns="0" rIns="0" bIns="0" rtlCol="0" anchor="t"/>
           <a:lstStyle/>
           <a:p>
-            <a:pPr indent="0" marL="0">
+            <a:pPr marL="0" indent="0">
               <a:lnSpc>
                 <a:spcPts val="2750"/>
               </a:lnSpc>
@@ -3537,7 +5499,7 @@
                 <a:ea typeface="Roboto Light" pitchFamily="34" charset="-122"/>
                 <a:cs typeface="Roboto Light" pitchFamily="34" charset="-120"/>
               </a:rPr>
-              <a:t>The PyTorch ANN achieved a Mean Squared Error (MSE) of 22.5 and a Mean Absolute Error (MAE) of 3.4 on the California Housing dataset. This indicates that the model can predict median house values with reasonable accuracy, considering the complexity of the task. The model was trained for 20 epochs with a learning rate of 0.001 and a batch size of 64.</a:t>
+              <a:t>The PyTorch ANN achieved a Mean Squared Error (MSE) of 0.39 and a Mean Absolute Error (MAE) of 0.44 on the California Housing dataset. This indicates that the model can predict median house values with reasonable accuracy, considering the complexity of the task. The model was trained for 100 epochs with a learning rate of 0.01 and a batch size of 64.</a:t>
             </a:r>
             <a:endParaRPr lang="en-US" sz="1700" dirty="0"/>
           </a:p>
@@ -3569,6 +5531,13 @@
             <a:prstDash val="solid"/>
           </a:ln>
         </p:spPr>
+        <p:txBody>
+          <a:bodyPr/>
+          <a:lstStyle/>
+          <a:p>
+            <a:endParaRPr lang="en-US"/>
+          </a:p>
+        </p:txBody>
       </p:sp>
       <p:sp>
         <p:nvSpPr>
@@ -3591,7 +5560,7 @@
           <a:bodyPr wrap="none" lIns="0" tIns="0" rIns="0" bIns="0" rtlCol="0" anchor="t"/>
           <a:lstStyle/>
           <a:p>
-            <a:pPr indent="0" marL="0">
+            <a:pPr marL="0" indent="0">
               <a:lnSpc>
                 <a:spcPts val="2700"/>
               </a:lnSpc>
@@ -3606,7 +5575,7 @@
                 <a:ea typeface="Poppins Light" pitchFamily="34" charset="-122"/>
                 <a:cs typeface="Poppins Light" pitchFamily="34" charset="-120"/>
               </a:rPr>
-              <a:t>CIFAR-10 Keras CNN</a:t>
+              <a:t>ASL Keras CNN</a:t>
             </a:r>
             <a:endParaRPr lang="en-US" sz="2150" dirty="0"/>
           </a:p>
@@ -3633,7 +5602,7 @@
           <a:bodyPr wrap="square" lIns="0" tIns="0" rIns="0" bIns="0" rtlCol="0" anchor="t"/>
           <a:lstStyle/>
           <a:p>
-            <a:pPr indent="0" marL="0">
+            <a:pPr marL="0" indent="0">
               <a:lnSpc>
                 <a:spcPts val="2750"/>
               </a:lnSpc>
@@ -3662,7 +5631,7 @@
 </p:sld>
 </file>
 
-<file path=ppt/slides/slide6.xml><?xml version="1.0" encoding="utf-8"?>
+<file path=ppt/slides/slide7.xml><?xml version="1.0" encoding="utf-8"?>
 <p:sld xmlns:a="http://schemas.openxmlformats.org/drawingml/2006/main" xmlns:r="http://schemas.openxmlformats.org/officeDocument/2006/relationships" xmlns:p="http://schemas.openxmlformats.org/presentationml/2006/main">
   <p:cSld name="Slide 6">
     <p:spTree>
@@ -3681,14 +5650,14 @@
       </p:grpSpPr>
       <p:pic>
         <p:nvPicPr>
-          <p:cNvPr id="2" name="Image 0" descr="preencoded.png">    </p:cNvPr>
+          <p:cNvPr id="2" name="Image 0" descr="preencoded.png"/>
           <p:cNvPicPr>
             <a:picLocks noChangeAspect="1"/>
           </p:cNvPicPr>
           <p:nvPr/>
         </p:nvPicPr>
         <p:blipFill>
-          <a:blip r:embed="rId1"/>
+          <a:blip r:embed="rId3"/>
           <a:stretch>
             <a:fillRect/>
           </a:stretch>
@@ -3724,7 +5693,7 @@
           <a:bodyPr wrap="square" lIns="0" tIns="0" rIns="0" bIns="0" rtlCol="0" anchor="t"/>
           <a:lstStyle/>
           <a:p>
-            <a:pPr indent="0" marL="0">
+            <a:pPr marL="0" indent="0">
               <a:lnSpc>
                 <a:spcPts val="5550"/>
               </a:lnSpc>
@@ -3766,6 +5735,13 @@
           </a:solidFill>
           <a:ln/>
         </p:spPr>
+        <p:txBody>
+          <a:bodyPr/>
+          <a:lstStyle/>
+          <a:p>
+            <a:endParaRPr lang="en-US"/>
+          </a:p>
+        </p:txBody>
       </p:sp>
       <p:sp>
         <p:nvSpPr>
@@ -3788,6 +5764,13 @@
           </a:solidFill>
           <a:ln/>
         </p:spPr>
+        <p:txBody>
+          <a:bodyPr/>
+          <a:lstStyle/>
+          <a:p>
+            <a:endParaRPr lang="en-US"/>
+          </a:p>
+        </p:txBody>
       </p:sp>
       <p:sp>
         <p:nvSpPr>
@@ -3815,6 +5798,13 @@
             <a:prstDash val="solid"/>
           </a:ln>
         </p:spPr>
+        <p:txBody>
+          <a:bodyPr/>
+          <a:lstStyle/>
+          <a:p>
+            <a:endParaRPr lang="en-US"/>
+          </a:p>
+        </p:txBody>
       </p:sp>
       <p:sp>
         <p:nvSpPr>
@@ -3837,7 +5827,7 @@
           <a:bodyPr wrap="none" lIns="0" tIns="0" rIns="0" bIns="0" rtlCol="0" anchor="t"/>
           <a:lstStyle/>
           <a:p>
-            <a:pPr algn="ctr" indent="0" marL="0">
+            <a:pPr marL="0" indent="0" algn="ctr">
               <a:lnSpc>
                 <a:spcPts val="2650"/>
               </a:lnSpc>
@@ -3879,7 +5869,7 @@
           <a:bodyPr wrap="square" lIns="0" tIns="0" rIns="0" bIns="0" rtlCol="0" anchor="t"/>
           <a:lstStyle/>
           <a:p>
-            <a:pPr algn="l" indent="0" marL="0">
+            <a:pPr marL="0" indent="0" algn="l">
               <a:lnSpc>
                 <a:spcPts val="2850"/>
               </a:lnSpc>
@@ -3921,6 +5911,13 @@
           </a:solidFill>
           <a:ln/>
         </p:spPr>
+        <p:txBody>
+          <a:bodyPr/>
+          <a:lstStyle/>
+          <a:p>
+            <a:endParaRPr lang="en-US"/>
+          </a:p>
+        </p:txBody>
       </p:sp>
       <p:sp>
         <p:nvSpPr>
@@ -3948,6 +5945,13 @@
             <a:prstDash val="solid"/>
           </a:ln>
         </p:spPr>
+        <p:txBody>
+          <a:bodyPr/>
+          <a:lstStyle/>
+          <a:p>
+            <a:endParaRPr lang="en-US"/>
+          </a:p>
+        </p:txBody>
       </p:sp>
       <p:sp>
         <p:nvSpPr>
@@ -3970,7 +5974,7 @@
           <a:bodyPr wrap="none" lIns="0" tIns="0" rIns="0" bIns="0" rtlCol="0" anchor="t"/>
           <a:lstStyle/>
           <a:p>
-            <a:pPr algn="ctr" indent="0" marL="0">
+            <a:pPr marL="0" indent="0" algn="ctr">
               <a:lnSpc>
                 <a:spcPts val="2650"/>
               </a:lnSpc>
@@ -4012,7 +6016,7 @@
           <a:bodyPr wrap="square" lIns="0" tIns="0" rIns="0" bIns="0" rtlCol="0" anchor="t"/>
           <a:lstStyle/>
           <a:p>
-            <a:pPr algn="l" indent="0" marL="0">
+            <a:pPr marL="0" indent="0" algn="l">
               <a:lnSpc>
                 <a:spcPts val="2850"/>
               </a:lnSpc>
@@ -4027,7 +6031,7 @@
                 <a:ea typeface="Roboto Light" pitchFamily="34" charset="-122"/>
                 <a:cs typeface="Roboto Light" pitchFamily="34" charset="-120"/>
               </a:rPr>
-              <a:t>The learning curves for the Keras CNN on CIFAR-10 exhibit a gradual improvement in validation accuracy throughout the training process, indicating that the model is learning effectively without overfitting. The slower convergence compared to MNIST is likely due to the higher complexity of the image classification task.</a:t>
+              <a:t>The learning curves for the Keras CNN on ASL exhibit a gradual improvement in validation accuracy throughout the training process, indicating that the model is learning effectively without overfitting. The slower convergence compared to MNIST is likely due to the higher complexity of the image classification task.</a:t>
             </a:r>
             <a:endParaRPr lang="en-US" sz="1750" dirty="0"/>
           </a:p>
@@ -4041,7 +6045,7 @@
 </p:sld>
 </file>
 
-<file path=ppt/slides/slide7.xml><?xml version="1.0" encoding="utf-8"?>
+<file path=ppt/slides/slide8.xml><?xml version="1.0" encoding="utf-8"?>
 <p:sld xmlns:a="http://schemas.openxmlformats.org/drawingml/2006/main" xmlns:r="http://schemas.openxmlformats.org/officeDocument/2006/relationships" xmlns:p="http://schemas.openxmlformats.org/presentationml/2006/main">
   <p:cSld name="Slide 7">
     <p:spTree>
@@ -4079,7 +6083,7 @@
           <a:bodyPr wrap="square" lIns="0" tIns="0" rIns="0" bIns="0" rtlCol="0" anchor="t"/>
           <a:lstStyle/>
           <a:p>
-            <a:pPr indent="0" marL="0">
+            <a:pPr marL="0" indent="0">
               <a:lnSpc>
                 <a:spcPts val="5550"/>
               </a:lnSpc>
@@ -4121,7 +6125,7 @@
           <a:bodyPr wrap="none" lIns="0" tIns="0" rIns="0" bIns="0" rtlCol="0" anchor="t"/>
           <a:lstStyle/>
           <a:p>
-            <a:pPr indent="0" marL="0">
+            <a:pPr marL="0" indent="0">
               <a:lnSpc>
                 <a:spcPts val="2750"/>
               </a:lnSpc>
@@ -4163,7 +6167,7 @@
           <a:bodyPr wrap="square" lIns="0" tIns="0" rIns="0" bIns="0" rtlCol="0" anchor="t"/>
           <a:lstStyle/>
           <a:p>
-            <a:pPr indent="0" marL="0">
+            <a:pPr marL="0" indent="0">
               <a:lnSpc>
                 <a:spcPts val="2850"/>
               </a:lnSpc>
@@ -4178,7 +6182,7 @@
                 <a:ea typeface="Roboto Light" pitchFamily="34" charset="-122"/>
                 <a:cs typeface="Roboto Light" pitchFamily="34" charset="-120"/>
               </a:rPr>
-              <a:t>The PyTorch ANN exhibits flexibility for experimentation and achieved high accuracy on the simpler MNIST dataset. Keras CNN, on the other hand, offers a user-friendly and efficient approach, particularly suitable for image-based data like CIFAR-10.</a:t>
+              <a:t>The PyTorch ANN exhibits flexibility for experimentation and achieved high accuracy on the simpler MNIST dataset. Keras CNN, on the other hand, offers a user-friendly and efficient approach, particularly suitable for image-based data like ASL</a:t>
             </a:r>
             <a:endParaRPr lang="en-US" sz="1750" dirty="0"/>
           </a:p>
@@ -4205,7 +6209,7 @@
           <a:bodyPr wrap="none" lIns="0" tIns="0" rIns="0" bIns="0" rtlCol="0" anchor="t"/>
           <a:lstStyle/>
           <a:p>
-            <a:pPr indent="0" marL="0">
+            <a:pPr marL="0" indent="0">
               <a:lnSpc>
                 <a:spcPts val="2750"/>
               </a:lnSpc>
@@ -4247,7 +6251,7 @@
           <a:bodyPr wrap="square" lIns="0" tIns="0" rIns="0" bIns="0" rtlCol="0" anchor="t"/>
           <a:lstStyle/>
           <a:p>
-            <a:pPr indent="0" marL="0">
+            <a:pPr marL="0" indent="0">
               <a:lnSpc>
                 <a:spcPts val="2850"/>
               </a:lnSpc>
@@ -4276,7 +6280,7 @@
 </p:sld>
 </file>
 
-<file path=ppt/slides/slide8.xml><?xml version="1.0" encoding="utf-8"?>
+<file path=ppt/slides/slide9.xml><?xml version="1.0" encoding="utf-8"?>
 <p:sld xmlns:a="http://schemas.openxmlformats.org/drawingml/2006/main" xmlns:r="http://schemas.openxmlformats.org/officeDocument/2006/relationships" xmlns:p="http://schemas.openxmlformats.org/presentationml/2006/main">
   <p:cSld name="Slide 8">
     <p:spTree>
@@ -4295,14 +6299,14 @@
       </p:grpSpPr>
       <p:pic>
         <p:nvPicPr>
-          <p:cNvPr id="2" name="Image 0" descr="preencoded.png">    </p:cNvPr>
+          <p:cNvPr id="2" name="Image 0" descr="preencoded.png"/>
           <p:cNvPicPr>
             <a:picLocks noChangeAspect="1"/>
           </p:cNvPicPr>
           <p:nvPr/>
         </p:nvPicPr>
         <p:blipFill>
-          <a:blip r:embed="rId1"/>
+          <a:blip r:embed="rId3"/>
           <a:stretch>
             <a:fillRect/>
           </a:stretch>
@@ -4338,7 +6342,7 @@
           <a:bodyPr wrap="square" lIns="0" tIns="0" rIns="0" bIns="0" rtlCol="0" anchor="t"/>
           <a:lstStyle/>
           <a:p>
-            <a:pPr indent="0" marL="0">
+            <a:pPr marL="0" indent="0">
               <a:lnSpc>
                 <a:spcPts val="5550"/>
               </a:lnSpc>
@@ -4385,6 +6389,13 @@
             <a:prstDash val="solid"/>
           </a:ln>
         </p:spPr>
+        <p:txBody>
+          <a:bodyPr/>
+          <a:lstStyle/>
+          <a:p>
+            <a:endParaRPr lang="en-US"/>
+          </a:p>
+        </p:txBody>
       </p:sp>
       <p:sp>
         <p:nvSpPr>
@@ -4407,7 +6418,7 @@
           <a:bodyPr wrap="none" lIns="0" tIns="0" rIns="0" bIns="0" rtlCol="0" anchor="t"/>
           <a:lstStyle/>
           <a:p>
-            <a:pPr algn="ctr" indent="0" marL="0">
+            <a:pPr marL="0" indent="0" algn="ctr">
               <a:lnSpc>
                 <a:spcPts val="2650"/>
               </a:lnSpc>
@@ -4449,7 +6460,7 @@
           <a:bodyPr wrap="square" lIns="0" tIns="0" rIns="0" bIns="0" rtlCol="0" anchor="t"/>
           <a:lstStyle/>
           <a:p>
-            <a:pPr indent="0" marL="0">
+            <a:pPr marL="0" indent="0">
               <a:lnSpc>
                 <a:spcPts val="2750"/>
               </a:lnSpc>
@@ -4491,7 +6502,7 @@
           <a:bodyPr wrap="square" lIns="0" tIns="0" rIns="0" bIns="0" rtlCol="0" anchor="t"/>
           <a:lstStyle/>
           <a:p>
-            <a:pPr indent="0" marL="0">
+            <a:pPr marL="0" indent="0">
               <a:lnSpc>
                 <a:spcPts val="2850"/>
               </a:lnSpc>
@@ -4538,6 +6549,13 @@
             <a:prstDash val="solid"/>
           </a:ln>
         </p:spPr>
+        <p:txBody>
+          <a:bodyPr/>
+          <a:lstStyle/>
+          <a:p>
+            <a:endParaRPr lang="en-US"/>
+          </a:p>
+        </p:txBody>
       </p:sp>
       <p:sp>
         <p:nvSpPr>
@@ -4560,7 +6578,7 @@
           <a:bodyPr wrap="none" lIns="0" tIns="0" rIns="0" bIns="0" rtlCol="0" anchor="t"/>
           <a:lstStyle/>
           <a:p>
-            <a:pPr algn="ctr" indent="0" marL="0">
+            <a:pPr marL="0" indent="0" algn="ctr">
               <a:lnSpc>
                 <a:spcPts val="2650"/>
               </a:lnSpc>
@@ -4602,7 +6620,7 @@
           <a:bodyPr wrap="square" lIns="0" tIns="0" rIns="0" bIns="0" rtlCol="0" anchor="t"/>
           <a:lstStyle/>
           <a:p>
-            <a:pPr indent="0" marL="0">
+            <a:pPr marL="0" indent="0">
               <a:lnSpc>
                 <a:spcPts val="2750"/>
               </a:lnSpc>
@@ -4644,7 +6662,7 @@
           <a:bodyPr wrap="square" lIns="0" tIns="0" rIns="0" bIns="0" rtlCol="0" anchor="t"/>
           <a:lstStyle/>
           <a:p>
-            <a:pPr indent="0" marL="0">
+            <a:pPr marL="0" indent="0">
               <a:lnSpc>
                 <a:spcPts val="2850"/>
               </a:lnSpc>
@@ -4659,140 +6677,7 @@
                 <a:ea typeface="Roboto Light" pitchFamily="34" charset="-122"/>
                 <a:cs typeface="Roboto Light" pitchFamily="34" charset="-120"/>
               </a:rPr>
-              <a:t>Convolutional Neural Networks (CNNs) excel in tasks requiring spatial feature extraction, such as image classification (CIFAR-10). Their inherent architecture allows them to learn and exploit spatial patterns within data.</a:t>
-            </a:r>
-            <a:endParaRPr lang="en-US" sz="1750" dirty="0"/>
-          </a:p>
-        </p:txBody>
-      </p:sp>
-    </p:spTree>
-  </p:cSld>
-  <p:clrMapOvr>
-    <a:masterClrMapping/>
-  </p:clrMapOvr>
-</p:sld>
-</file>
-
-<file path=ppt/slides/slide9.xml><?xml version="1.0" encoding="utf-8"?>
-<p:sld xmlns:a="http://schemas.openxmlformats.org/drawingml/2006/main" xmlns:r="http://schemas.openxmlformats.org/officeDocument/2006/relationships" xmlns:p="http://schemas.openxmlformats.org/presentationml/2006/main">
-  <p:cSld name="Slide 9">
-    <p:spTree>
-      <p:nvGrpSpPr>
-        <p:cNvPr id="1" name=""/>
-        <p:cNvGrpSpPr/>
-        <p:nvPr/>
-      </p:nvGrpSpPr>
-      <p:grpSpPr>
-        <a:xfrm>
-          <a:off x="0" y="0"/>
-          <a:ext cx="0" cy="0"/>
-          <a:chOff x="0" y="0"/>
-          <a:chExt cx="0" cy="0"/>
-        </a:xfrm>
-      </p:grpSpPr>
-      <p:pic>
-        <p:nvPicPr>
-          <p:cNvPr id="2" name="Image 0" descr="preencoded.png">    </p:cNvPr>
-          <p:cNvPicPr>
-            <a:picLocks noChangeAspect="1"/>
-          </p:cNvPicPr>
-          <p:nvPr/>
-        </p:nvPicPr>
-        <p:blipFill>
-          <a:blip r:embed="rId1"/>
-          <a:stretch>
-            <a:fillRect/>
-          </a:stretch>
-        </p:blipFill>
-        <p:spPr>
-          <a:xfrm>
-            <a:off x="0" y="0"/>
-            <a:ext cx="5486400" cy="8229600"/>
-          </a:xfrm>
-          <a:prstGeom prst="rect">
-            <a:avLst/>
-          </a:prstGeom>
-        </p:spPr>
-      </p:pic>
-      <p:sp>
-        <p:nvSpPr>
-          <p:cNvPr id="3" name="Text 0"/>
-          <p:cNvSpPr/>
-          <p:nvPr/>
-        </p:nvSpPr>
-        <p:spPr>
-          <a:xfrm>
-            <a:off x="6280190" y="1784271"/>
-            <a:ext cx="7556421" cy="1417558"/>
-          </a:xfrm>
-          <a:prstGeom prst="rect">
-            <a:avLst/>
-          </a:prstGeom>
-          <a:noFill/>
-          <a:ln/>
-        </p:spPr>
-        <p:txBody>
-          <a:bodyPr wrap="square" lIns="0" tIns="0" rIns="0" bIns="0" rtlCol="0" anchor="t"/>
-          <a:lstStyle/>
-          <a:p>
-            <a:pPr indent="0" marL="0">
-              <a:lnSpc>
-                <a:spcPts val="5550"/>
-              </a:lnSpc>
-              <a:buNone/>
-            </a:pPr>
-            <a:r>
-              <a:rPr lang="en-US" sz="4450" dirty="0">
-                <a:solidFill>
-                  <a:srgbClr val="F2F2F3"/>
-                </a:solidFill>
-                <a:latin typeface="Poppins Light" pitchFamily="34" charset="0"/>
-                <a:ea typeface="Poppins Light" pitchFamily="34" charset="-122"/>
-                <a:cs typeface="Poppins Light" pitchFamily="34" charset="-120"/>
-              </a:rPr>
-              <a:t>Conclusion: Key Takeaways and Next Steps</a:t>
-            </a:r>
-            <a:endParaRPr lang="en-US" sz="4450" dirty="0"/>
-          </a:p>
-        </p:txBody>
-      </p:sp>
-      <p:sp>
-        <p:nvSpPr>
-          <p:cNvPr id="4" name="Text 1"/>
-          <p:cNvSpPr/>
-          <p:nvPr/>
-        </p:nvSpPr>
-        <p:spPr>
-          <a:xfrm>
-            <a:off x="6280190" y="3541990"/>
-            <a:ext cx="7556421" cy="2903220"/>
-          </a:xfrm>
-          <a:prstGeom prst="rect">
-            <a:avLst/>
-          </a:prstGeom>
-          <a:noFill/>
-          <a:ln/>
-        </p:spPr>
-        <p:txBody>
-          <a:bodyPr wrap="square" lIns="0" tIns="0" rIns="0" bIns="0" rtlCol="0" anchor="t"/>
-          <a:lstStyle/>
-          <a:p>
-            <a:pPr indent="0" marL="0">
-              <a:lnSpc>
-                <a:spcPts val="2850"/>
-              </a:lnSpc>
-              <a:buNone/>
-            </a:pPr>
-            <a:r>
-              <a:rPr lang="en-US" sz="1750" dirty="0">
-                <a:solidFill>
-                  <a:srgbClr val="E5E0DF"/>
-                </a:solidFill>
-                <a:latin typeface="Roboto Light" pitchFamily="34" charset="0"/>
-                <a:ea typeface="Roboto Light" pitchFamily="34" charset="-122"/>
-                <a:cs typeface="Roboto Light" pitchFamily="34" charset="-120"/>
-              </a:rPr>
-              <a:t>This comparative analysis reveals that both ANNs and CNNs are valuable tools in deep learning, each with its strengths and weaknesses. ANNs offer flexibility and effectiveness for simpler tasks, while CNNs excel in image-based tasks requiring spatial feature extraction. Further research is needed to explore hybrid architectures that leverage the strengths of both approaches. Moreover, investigating the performance of these models on more challenging datasets, such as ImageNet, would provide a comprehensive understanding of their capabilities and limitations.</a:t>
+              <a:t>Convolutional Neural Networks (CNNs) excel in tasks requiring spatial feature extraction, such as image classification (ASL). Their inherent architecture allows them to learn and exploit spatial patterns within data.</a:t>
             </a:r>
             <a:endParaRPr lang="en-US" sz="1750" dirty="0"/>
           </a:p>
@@ -5099,4 +6984,319 @@
     </a:ext>
   </a:extLst>
 </a:theme>
+</file>
+
+<file path=ppt/theme/theme2.xml><?xml version="1.0" encoding="utf-8"?>
+<a:theme xmlns:a="http://schemas.openxmlformats.org/drawingml/2006/main" name="Office Theme">
+  <a:themeElements>
+    <a:clrScheme name="Office">
+      <a:dk1>
+        <a:sysClr val="windowText" lastClr="000000"/>
+      </a:dk1>
+      <a:lt1>
+        <a:sysClr val="window" lastClr="FFFFFF"/>
+      </a:lt1>
+      <a:dk2>
+        <a:srgbClr val="0E2841"/>
+      </a:dk2>
+      <a:lt2>
+        <a:srgbClr val="E8E8E8"/>
+      </a:lt2>
+      <a:accent1>
+        <a:srgbClr val="156082"/>
+      </a:accent1>
+      <a:accent2>
+        <a:srgbClr val="E97132"/>
+      </a:accent2>
+      <a:accent3>
+        <a:srgbClr val="196B24"/>
+      </a:accent3>
+      <a:accent4>
+        <a:srgbClr val="0F9ED5"/>
+      </a:accent4>
+      <a:accent5>
+        <a:srgbClr val="A02B93"/>
+      </a:accent5>
+      <a:accent6>
+        <a:srgbClr val="4EA72E"/>
+      </a:accent6>
+      <a:hlink>
+        <a:srgbClr val="467886"/>
+      </a:hlink>
+      <a:folHlink>
+        <a:srgbClr val="96607D"/>
+      </a:folHlink>
+    </a:clrScheme>
+    <a:fontScheme name="Office">
+      <a:majorFont>
+        <a:latin typeface="Aptos Display" panose="02110004020202020204"/>
+        <a:ea typeface=""/>
+        <a:cs typeface=""/>
+        <a:font script="Jpan" typeface="游ゴシック Light"/>
+        <a:font script="Hang" typeface="맑은 고딕"/>
+        <a:font script="Hans" typeface="等线 Light"/>
+        <a:font script="Hant" typeface="新細明體"/>
+        <a:font script="Arab" typeface="Times New Roman"/>
+        <a:font script="Hebr" typeface="Times New Roman"/>
+        <a:font script="Thai" typeface="Angsana New"/>
+        <a:font script="Ethi" typeface="Nyala"/>
+        <a:font script="Beng" typeface="Vrinda"/>
+        <a:font script="Gujr" typeface="Shruti"/>
+        <a:font script="Khmr" typeface="MoolBoran"/>
+        <a:font script="Knda" typeface="Tunga"/>
+        <a:font script="Guru" typeface="Raavi"/>
+        <a:font script="Cans" typeface="Euphemia"/>
+        <a:font script="Cher" typeface="Plantagenet Cherokee"/>
+        <a:font script="Yiii" typeface="Microsoft Yi Baiti"/>
+        <a:font script="Tibt" typeface="Microsoft Himalaya"/>
+        <a:font script="Thaa" typeface="MV Boli"/>
+        <a:font script="Deva" typeface="Mangal"/>
+        <a:font script="Telu" typeface="Gautami"/>
+        <a:font script="Taml" typeface="Latha"/>
+        <a:font script="Syrc" typeface="Estrangelo Edessa"/>
+        <a:font script="Orya" typeface="Kalinga"/>
+        <a:font script="Mlym" typeface="Kartika"/>
+        <a:font script="Laoo" typeface="DokChampa"/>
+        <a:font script="Sinh" typeface="Iskoola Pota"/>
+        <a:font script="Mong" typeface="Mongolian Baiti"/>
+        <a:font script="Viet" typeface="Times New Roman"/>
+        <a:font script="Uigh" typeface="Microsoft Uighur"/>
+        <a:font script="Geor" typeface="Sylfaen"/>
+        <a:font script="Armn" typeface="Arial"/>
+        <a:font script="Bugi" typeface="Leelawadee UI"/>
+        <a:font script="Bopo" typeface="Microsoft JhengHei"/>
+        <a:font script="Java" typeface="Javanese Text"/>
+        <a:font script="Lisu" typeface="Segoe UI"/>
+        <a:font script="Mymr" typeface="Myanmar Text"/>
+        <a:font script="Nkoo" typeface="Ebrima"/>
+        <a:font script="Olck" typeface="Nirmala UI"/>
+        <a:font script="Osma" typeface="Ebrima"/>
+        <a:font script="Phag" typeface="Phagspa"/>
+        <a:font script="Syrn" typeface="Estrangelo Edessa"/>
+        <a:font script="Syrj" typeface="Estrangelo Edessa"/>
+        <a:font script="Syre" typeface="Estrangelo Edessa"/>
+        <a:font script="Sora" typeface="Nirmala UI"/>
+        <a:font script="Tale" typeface="Microsoft Tai Le"/>
+        <a:font script="Talu" typeface="Microsoft New Tai Lue"/>
+        <a:font script="Tfng" typeface="Ebrima"/>
+      </a:majorFont>
+      <a:minorFont>
+        <a:latin typeface="Aptos" panose="02110004020202020204"/>
+        <a:ea typeface=""/>
+        <a:cs typeface=""/>
+        <a:font script="Jpan" typeface="游ゴシック"/>
+        <a:font script="Hang" typeface="맑은 고딕"/>
+        <a:font script="Hans" typeface="等线"/>
+        <a:font script="Hant" typeface="新細明體"/>
+        <a:font script="Arab" typeface="Arial"/>
+        <a:font script="Hebr" typeface="Arial"/>
+        <a:font script="Thai" typeface="Cordia New"/>
+        <a:font script="Ethi" typeface="Nyala"/>
+        <a:font script="Beng" typeface="Vrinda"/>
+        <a:font script="Gujr" typeface="Shruti"/>
+        <a:font script="Khmr" typeface="DaunPenh"/>
+        <a:font script="Knda" typeface="Tunga"/>
+        <a:font script="Guru" typeface="Raavi"/>
+        <a:font script="Cans" typeface="Euphemia"/>
+        <a:font script="Cher" typeface="Plantagenet Cherokee"/>
+        <a:font script="Yiii" typeface="Microsoft Yi Baiti"/>
+        <a:font script="Tibt" typeface="Microsoft Himalaya"/>
+        <a:font script="Thaa" typeface="MV Boli"/>
+        <a:font script="Deva" typeface="Mangal"/>
+        <a:font script="Telu" typeface="Gautami"/>
+        <a:font script="Taml" typeface="Latha"/>
+        <a:font script="Syrc" typeface="Estrangelo Edessa"/>
+        <a:font script="Orya" typeface="Kalinga"/>
+        <a:font script="Mlym" typeface="Kartika"/>
+        <a:font script="Laoo" typeface="DokChampa"/>
+        <a:font script="Sinh" typeface="Iskoola Pota"/>
+        <a:font script="Mong" typeface="Mongolian Baiti"/>
+        <a:font script="Viet" typeface="Arial"/>
+        <a:font script="Uigh" typeface="Microsoft Uighur"/>
+        <a:font script="Geor" typeface="Sylfaen"/>
+        <a:font script="Armn" typeface="Arial"/>
+        <a:font script="Bugi" typeface="Leelawadee UI"/>
+        <a:font script="Bopo" typeface="Microsoft JhengHei"/>
+        <a:font script="Java" typeface="Javanese Text"/>
+        <a:font script="Lisu" typeface="Segoe UI"/>
+        <a:font script="Mymr" typeface="Myanmar Text"/>
+        <a:font script="Nkoo" typeface="Ebrima"/>
+        <a:font script="Olck" typeface="Nirmala UI"/>
+        <a:font script="Osma" typeface="Ebrima"/>
+        <a:font script="Phag" typeface="Phagspa"/>
+        <a:font script="Syrn" typeface="Estrangelo Edessa"/>
+        <a:font script="Syrj" typeface="Estrangelo Edessa"/>
+        <a:font script="Syre" typeface="Estrangelo Edessa"/>
+        <a:font script="Sora" typeface="Nirmala UI"/>
+        <a:font script="Tale" typeface="Microsoft Tai Le"/>
+        <a:font script="Talu" typeface="Microsoft New Tai Lue"/>
+        <a:font script="Tfng" typeface="Ebrima"/>
+      </a:minorFont>
+    </a:fontScheme>
+    <a:fmtScheme name="Office">
+      <a:fillStyleLst>
+        <a:solidFill>
+          <a:schemeClr val="phClr"/>
+        </a:solidFill>
+        <a:gradFill rotWithShape="1">
+          <a:gsLst>
+            <a:gs pos="0">
+              <a:schemeClr val="phClr">
+                <a:lumMod val="110000"/>
+                <a:satMod val="105000"/>
+                <a:tint val="67000"/>
+              </a:schemeClr>
+            </a:gs>
+            <a:gs pos="50000">
+              <a:schemeClr val="phClr">
+                <a:lumMod val="105000"/>
+                <a:satMod val="103000"/>
+                <a:tint val="73000"/>
+              </a:schemeClr>
+            </a:gs>
+            <a:gs pos="100000">
+              <a:schemeClr val="phClr">
+                <a:lumMod val="105000"/>
+                <a:satMod val="109000"/>
+                <a:tint val="81000"/>
+              </a:schemeClr>
+            </a:gs>
+          </a:gsLst>
+          <a:lin ang="5400000" scaled="0"/>
+        </a:gradFill>
+        <a:gradFill rotWithShape="1">
+          <a:gsLst>
+            <a:gs pos="0">
+              <a:schemeClr val="phClr">
+                <a:satMod val="103000"/>
+                <a:lumMod val="102000"/>
+                <a:tint val="94000"/>
+              </a:schemeClr>
+            </a:gs>
+            <a:gs pos="50000">
+              <a:schemeClr val="phClr">
+                <a:satMod val="110000"/>
+                <a:lumMod val="100000"/>
+                <a:shade val="100000"/>
+              </a:schemeClr>
+            </a:gs>
+            <a:gs pos="100000">
+              <a:schemeClr val="phClr">
+                <a:lumMod val="99000"/>
+                <a:satMod val="120000"/>
+                <a:shade val="78000"/>
+              </a:schemeClr>
+            </a:gs>
+          </a:gsLst>
+          <a:lin ang="5400000" scaled="0"/>
+        </a:gradFill>
+      </a:fillStyleLst>
+      <a:lnStyleLst>
+        <a:ln w="12700" cap="flat" cmpd="sng" algn="ctr">
+          <a:solidFill>
+            <a:schemeClr val="phClr"/>
+          </a:solidFill>
+          <a:prstDash val="solid"/>
+          <a:miter lim="800000"/>
+        </a:ln>
+        <a:ln w="19050" cap="flat" cmpd="sng" algn="ctr">
+          <a:solidFill>
+            <a:schemeClr val="phClr"/>
+          </a:solidFill>
+          <a:prstDash val="solid"/>
+          <a:miter lim="800000"/>
+        </a:ln>
+        <a:ln w="25400" cap="flat" cmpd="sng" algn="ctr">
+          <a:solidFill>
+            <a:schemeClr val="phClr"/>
+          </a:solidFill>
+          <a:prstDash val="solid"/>
+          <a:miter lim="800000"/>
+        </a:ln>
+      </a:lnStyleLst>
+      <a:effectStyleLst>
+        <a:effectStyle>
+          <a:effectLst/>
+        </a:effectStyle>
+        <a:effectStyle>
+          <a:effectLst/>
+        </a:effectStyle>
+        <a:effectStyle>
+          <a:effectLst>
+            <a:outerShdw blurRad="57150" dist="19050" dir="5400000" algn="ctr" rotWithShape="0">
+              <a:srgbClr val="000000">
+                <a:alpha val="63000"/>
+              </a:srgbClr>
+            </a:outerShdw>
+          </a:effectLst>
+        </a:effectStyle>
+      </a:effectStyleLst>
+      <a:bgFillStyleLst>
+        <a:solidFill>
+          <a:schemeClr val="phClr"/>
+        </a:solidFill>
+        <a:solidFill>
+          <a:schemeClr val="phClr">
+            <a:tint val="95000"/>
+            <a:satMod val="170000"/>
+          </a:schemeClr>
+        </a:solidFill>
+        <a:gradFill rotWithShape="1">
+          <a:gsLst>
+            <a:gs pos="0">
+              <a:schemeClr val="phClr">
+                <a:tint val="93000"/>
+                <a:satMod val="150000"/>
+                <a:shade val="98000"/>
+                <a:lumMod val="102000"/>
+              </a:schemeClr>
+            </a:gs>
+            <a:gs pos="50000">
+              <a:schemeClr val="phClr">
+                <a:tint val="98000"/>
+                <a:satMod val="130000"/>
+                <a:shade val="90000"/>
+                <a:lumMod val="103000"/>
+              </a:schemeClr>
+            </a:gs>
+            <a:gs pos="100000">
+              <a:schemeClr val="phClr">
+                <a:shade val="63000"/>
+                <a:satMod val="120000"/>
+              </a:schemeClr>
+            </a:gs>
+          </a:gsLst>
+          <a:lin ang="5400000" scaled="0"/>
+        </a:gradFill>
+      </a:bgFillStyleLst>
+    </a:fmtScheme>
+  </a:themeElements>
+  <a:objectDefaults>
+    <a:lnDef>
+      <a:spPr/>
+      <a:bodyPr/>
+      <a:lstStyle/>
+      <a:style>
+        <a:lnRef idx="2">
+          <a:schemeClr val="accent1"/>
+        </a:lnRef>
+        <a:fillRef idx="0">
+          <a:schemeClr val="accent1"/>
+        </a:fillRef>
+        <a:effectRef idx="1">
+          <a:schemeClr val="accent1"/>
+        </a:effectRef>
+        <a:fontRef idx="minor">
+          <a:schemeClr val="tx1"/>
+        </a:fontRef>
+      </a:style>
+    </a:lnDef>
+  </a:objectDefaults>
+  <a:extraClrSchemeLst/>
+  <a:extLst>
+    <a:ext uri="{05A4C25C-085E-4340-85A3-A5531E510DB2}">
+      <thm15:themeFamily xmlns:thm15="http://schemas.microsoft.com/office/thememl/2012/main" name="Office Theme" id="{2E142A2C-CD16-42D6-873A-C26D2A0506FA}" vid="{1BDDFF52-6CD6-40A5-AB3C-68EB2F1E4D0A}"/>
+    </a:ext>
+  </a:extLst>
+</a:theme>
 </file>
--- a/ANN-CNN Project.pptx
+++ b/ANN-CNN Project.pptx
@@ -3647,7 +3647,7 @@
                 <a:ea typeface="Roboto Light" pitchFamily="34" charset="-122"/>
                 <a:cs typeface="Roboto Light" pitchFamily="34" charset="-120"/>
               </a:rPr>
-              <a:t>A Keras CNN model was built for classifying images in the ASL dataset. The model includes two convolutional layers with 32 and 64 filters (3x3 kernel size, ReLU activation), each followed by max pooling. A fully connected layer with 128 neurons (ReLU activation) precedes the output layer with 10 nodes (Softmax activation). The Adam optimizer and categorical crossentropy loss were used for training.</a:t>
+              <a:t>A Keras CNN model was built for classifying images in the ASL dataset. The model includes 3 convolutional layers with 32 ,64 and 128 filters (3x3 kernel size, ReLU activation), each followed by max pooling. A fully connected layer with 128 neurons (ReLU activation) precedes the output layer with 29 nodes (Softmax activation). The Adam optimizer and categorical crossentropy loss were used for training.</a:t>
             </a:r>
             <a:endParaRPr lang="en-US" sz="1750" dirty="0"/>
           </a:p>
@@ -3835,14 +3835,14 @@
           <p:nvPr>
             <p:extLst>
               <p:ext uri="{D42A27DB-BD31-4B8C-83A1-F6EECF244321}">
-                <p14:modId xmlns:p14="http://schemas.microsoft.com/office/powerpoint/2010/main" val="590569863"/>
+                <p14:modId xmlns:p14="http://schemas.microsoft.com/office/powerpoint/2010/main" val="188552472"/>
               </p:ext>
             </p:extLst>
           </p:nvPr>
         </p:nvGraphicFramePr>
         <p:xfrm>
           <a:off x="5732779" y="2345568"/>
-          <a:ext cx="8136842" cy="4083416"/>
+          <a:ext cx="8136842" cy="4083479"/>
         </p:xfrm>
         <a:graphic>
           <a:graphicData uri="http://schemas.openxmlformats.org/drawingml/2006/table">
@@ -5024,75 +5024,39 @@
                         </a:spcAft>
                       </a:pPr>
                       <a:r>
+                        <a:rPr lang="en-US" sz="2000" b="0" kern="1200" cap="none" spc="0" dirty="0">
+                          <a:solidFill>
+                            <a:schemeClr val="dk1"/>
+                          </a:solidFill>
+                          <a:effectLst/>
+                          <a:latin typeface="+mn-lt"/>
+                          <a:ea typeface="+mn-ea"/>
+                          <a:cs typeface="+mn-cs"/>
+                        </a:rPr>
+                        <a:t>B</a:t>
+                      </a:r>
+                      <a:r>
+                        <a:rPr lang="en-US" sz="2000" b="0" kern="1200" dirty="0">
+                          <a:solidFill>
+                            <a:schemeClr val="dk1"/>
+                          </a:solidFill>
+                          <a:effectLst/>
+                          <a:latin typeface="+mn-lt"/>
+                          <a:ea typeface="+mn-ea"/>
+                          <a:cs typeface="+mn-cs"/>
+                        </a:rPr>
+                        <a:t>atch Size = 32</a:t>
+                      </a:r>
+                      <a:r>
                         <a:rPr lang="en-US" sz="2000" kern="100" cap="none" spc="0" dirty="0">
                           <a:solidFill>
                             <a:schemeClr val="tx1"/>
                           </a:solidFill>
                           <a:effectLst/>
                         </a:rPr>
-                        <a:t>LR=0.0001, Epoch=20</a:t>
+                        <a:t>, Epoch=20</a:t>
                       </a:r>
                       <a:endParaRPr lang="en-US" sz="2000" kern="100" cap="none" spc="0" dirty="0">
-                        <a:solidFill>
-                          <a:schemeClr val="tx1"/>
-                        </a:solidFill>
-                        <a:effectLst/>
-                        <a:latin typeface="Aptos" panose="020B0004020202020204" pitchFamily="34" charset="0"/>
-                        <a:ea typeface="Aptos" panose="020B0004020202020204" pitchFamily="34" charset="0"/>
-                        <a:cs typeface="Arial" panose="020B0604020202020204" pitchFamily="34" charset="0"/>
-                      </a:endParaRPr>
-                    </a:p>
-                  </a:txBody>
-                  <a:tcPr marL="15692" marR="15692" marT="150645" marB="15692" anchor="ctr">
-                    <a:lnL w="12700" cmpd="sng">
-                      <a:noFill/>
-                      <a:prstDash val="solid"/>
-                    </a:lnL>
-                    <a:lnR w="12700" cmpd="sng">
-                      <a:noFill/>
-                      <a:prstDash val="solid"/>
-                    </a:lnR>
-                    <a:lnT w="12700" cmpd="sng">
-                      <a:noFill/>
-                      <a:prstDash val="solid"/>
-                    </a:lnT>
-                    <a:lnB w="12700" cmpd="sng">
-                      <a:noFill/>
-                      <a:prstDash val="solid"/>
-                    </a:lnB>
-                    <a:solidFill>
-                      <a:srgbClr val="F2F2F2">
-                        <a:alpha val="45098"/>
-                      </a:srgbClr>
-                    </a:solidFill>
-                  </a:tcPr>
-                </a:tc>
-                <a:tc>
-                  <a:txBody>
-                    <a:bodyPr/>
-                    <a:lstStyle/>
-                    <a:p>
-                      <a:pPr marL="0" marR="0" algn="ctr">
-                        <a:lnSpc>
-                          <a:spcPct val="107000"/>
-                        </a:lnSpc>
-                        <a:spcBef>
-                          <a:spcPts val="0"/>
-                        </a:spcBef>
-                        <a:spcAft>
-                          <a:spcPts val="800"/>
-                        </a:spcAft>
-                      </a:pPr>
-                      <a:r>
-                        <a:rPr lang="en-US" sz="2000" kern="100" cap="none" spc="0">
-                          <a:solidFill>
-                            <a:schemeClr val="tx1"/>
-                          </a:solidFill>
-                          <a:effectLst/>
-                        </a:rPr>
-                        <a:t>Accuracy = 88.7%</a:t>
-                      </a:r>
-                      <a:endParaRPr lang="en-US" sz="2000" kern="100" cap="none" spc="0">
                         <a:solidFill>
                           <a:schemeClr val="tx1"/>
                         </a:solidFill>
@@ -5150,7 +5114,67 @@
                           </a:solidFill>
                           <a:effectLst/>
                         </a:rPr>
-                        <a:t>~8 min </a:t>
+                        <a:t>Accuracy = [--]%</a:t>
+                      </a:r>
+                      <a:endParaRPr lang="en-US" sz="2000" kern="100" cap="none" spc="0" dirty="0">
+                        <a:solidFill>
+                          <a:schemeClr val="tx1"/>
+                        </a:solidFill>
+                        <a:effectLst/>
+                        <a:latin typeface="Aptos" panose="020B0004020202020204" pitchFamily="34" charset="0"/>
+                        <a:ea typeface="Aptos" panose="020B0004020202020204" pitchFamily="34" charset="0"/>
+                        <a:cs typeface="Arial" panose="020B0604020202020204" pitchFamily="34" charset="0"/>
+                      </a:endParaRPr>
+                    </a:p>
+                  </a:txBody>
+                  <a:tcPr marL="15692" marR="15692" marT="150645" marB="15692" anchor="ctr">
+                    <a:lnL w="12700" cmpd="sng">
+                      <a:noFill/>
+                      <a:prstDash val="solid"/>
+                    </a:lnL>
+                    <a:lnR w="12700" cmpd="sng">
+                      <a:noFill/>
+                      <a:prstDash val="solid"/>
+                    </a:lnR>
+                    <a:lnT w="12700" cmpd="sng">
+                      <a:noFill/>
+                      <a:prstDash val="solid"/>
+                    </a:lnT>
+                    <a:lnB w="12700" cmpd="sng">
+                      <a:noFill/>
+                      <a:prstDash val="solid"/>
+                    </a:lnB>
+                    <a:solidFill>
+                      <a:srgbClr val="F2F2F2">
+                        <a:alpha val="45098"/>
+                      </a:srgbClr>
+                    </a:solidFill>
+                  </a:tcPr>
+                </a:tc>
+                <a:tc>
+                  <a:txBody>
+                    <a:bodyPr/>
+                    <a:lstStyle/>
+                    <a:p>
+                      <a:pPr marL="0" marR="0" algn="ctr">
+                        <a:lnSpc>
+                          <a:spcPct val="107000"/>
+                        </a:lnSpc>
+                        <a:spcBef>
+                          <a:spcPts val="0"/>
+                        </a:spcBef>
+                        <a:spcAft>
+                          <a:spcPts val="800"/>
+                        </a:spcAft>
+                      </a:pPr>
+                      <a:r>
+                        <a:rPr lang="en-US" sz="2000" kern="100" cap="none" spc="0" dirty="0">
+                          <a:solidFill>
+                            <a:schemeClr val="tx1"/>
+                          </a:solidFill>
+                          <a:effectLst/>
+                        </a:rPr>
+                        <a:t>~[---] min </a:t>
                       </a:r>
                       <a:endParaRPr lang="en-US" sz="2000" kern="100" cap="none" spc="0" dirty="0">
                         <a:solidFill>
@@ -5617,7 +5641,7 @@
                 <a:ea typeface="Roboto Light" pitchFamily="34" charset="-122"/>
                 <a:cs typeface="Roboto Light" pitchFamily="34" charset="-120"/>
               </a:rPr>
-              <a:t>The Keras CNN model achieved an accuracy of 88.7% on the CIFAR-10 dataset, indicating its capability in image classification. Training was performed for 25 epochs with a learning rate of 0.001 and a batch size of 32. The confusion matrix reveals that the model experiences moderate confusion between similar categories, such as cats and dogs, suggesting areas for further improvement.</a:t>
+              <a:t>The Keras CNN model achieved an accuracy of [---%] on the ASL dataset, indicating its capability in image classification. Training was performed for 20 epochs with a batch size of 32. The confusion matrix reveals that the model experiences moderate confusion between similar categories, such as Alphabets, suggesting areas for further improvement.</a:t>
             </a:r>
             <a:endParaRPr lang="en-US" sz="1700" dirty="0"/>
           </a:p>
